--- a/Peoria City Worx.pptx
+++ b/Peoria City Worx.pptx
@@ -1,34 +1,35 @@
 
 <file path=ppt/presentation.xml><?xml version="1.0" encoding="utf-8"?>
-<p:presentation xmlns:a="http://schemas.openxmlformats.org/drawingml/2006/main" xmlns:r="http://schemas.openxmlformats.org/officeDocument/2006/relationships" xmlns:mc="http://schemas.openxmlformats.org/markup-compatibility/2006" xmlns:mv="urn:schemas-microsoft-com:mac:vml" xmlns:p="http://schemas.openxmlformats.org/presentationml/2006/main" xmlns:c="http://schemas.openxmlformats.org/drawingml/2006/chart" xmlns:dgm="http://schemas.openxmlformats.org/drawingml/2006/diagram" xmlns:o="urn:schemas-microsoft-com:office:office" xmlns:v="urn:schemas-microsoft-com:vml" xmlns:pvml="urn:schemas-microsoft-com:office:powerpoint" xmlns:com="http://schemas.openxmlformats.org/drawingml/2006/compatibility" xmlns:p14="http://schemas.microsoft.com/office/powerpoint/2010/main" xmlns:p15="http://schemas.microsoft.com/office/powerpoint/2012/main" autoCompressPictures="0" embedTrueTypeFonts="1" strictFirstAndLastChars="0" saveSubsetFonts="1">
+<p:presentation xmlns:a="http://schemas.openxmlformats.org/drawingml/2006/main" xmlns:r="http://schemas.openxmlformats.org/officeDocument/2006/relationships" xmlns:p="http://schemas.openxmlformats.org/presentationml/2006/main" strictFirstAndLastChars="0" embedTrueTypeFonts="1" saveSubsetFonts="1" autoCompressPictures="0">
   <p:sldMasterIdLst>
-    <p:sldMasterId id="2147483659" r:id="rId3"/>
+    <p:sldMasterId id="2147483659" r:id="rId1"/>
   </p:sldMasterIdLst>
   <p:notesMasterIdLst>
-    <p:notesMasterId r:id="rId4"/>
+    <p:notesMasterId r:id="rId10"/>
   </p:notesMasterIdLst>
   <p:sldIdLst>
-    <p:sldId id="256" r:id="rId5"/>
-    <p:sldId id="257" r:id="rId6"/>
-    <p:sldId id="258" r:id="rId7"/>
-    <p:sldId id="259" r:id="rId8"/>
-    <p:sldId id="260" r:id="rId9"/>
-    <p:sldId id="261" r:id="rId10"/>
-    <p:sldId id="262" r:id="rId11"/>
+    <p:sldId id="256" r:id="rId2"/>
+    <p:sldId id="257" r:id="rId3"/>
+    <p:sldId id="258" r:id="rId4"/>
+    <p:sldId id="259" r:id="rId5"/>
+    <p:sldId id="260" r:id="rId6"/>
+    <p:sldId id="261" r:id="rId7"/>
+    <p:sldId id="263" r:id="rId8"/>
+    <p:sldId id="262" r:id="rId9"/>
   </p:sldIdLst>
-  <p:sldSz cy="5143500" cx="9144000"/>
+  <p:sldSz cx="9144000" cy="5143500" type="screen16x9"/>
   <p:notesSz cx="6858000" cy="9144000"/>
   <p:embeddedFontLst>
     <p:embeddedFont>
       <p:font typeface="Roboto"/>
-      <p:regular r:id="rId12"/>
-      <p:bold r:id="rId13"/>
-      <p:italic r:id="rId14"/>
-      <p:boldItalic r:id="rId15"/>
+      <p:regular r:id="rId11"/>
+      <p:bold r:id="rId12"/>
+      <p:italic r:id="rId13"/>
+      <p:boldItalic r:id="rId14"/>
     </p:embeddedFont>
   </p:embeddedFontLst>
   <p:defaultTextStyle>
-    <a:defPPr lvl="0" marR="0" rtl="0" algn="l">
+    <a:defPPr marR="0" lvl="0" algn="l" rtl="0">
       <a:lnSpc>
         <a:spcPct val="100000"/>
       </a:lnSpc>
@@ -39,7 +40,7 @@
         <a:spcPts val="0"/>
       </a:spcAft>
     </a:defPPr>
-    <a:lvl1pPr lvl="0" marR="0" rtl="0" algn="l">
+    <a:lvl1pPr marR="0" lvl="0" algn="l" rtl="0">
       <a:lnSpc>
         <a:spcPct val="100000"/>
       </a:lnSpc>
@@ -50,7 +51,7 @@
         <a:spcPts val="0"/>
       </a:spcAft>
       <a:buNone/>
-      <a:defRPr b="0" i="0" sz="1400" u="none" cap="none" strike="noStrike">
+      <a:defRPr sz="1400" b="0" i="0" u="none" strike="noStrike" cap="none">
         <a:solidFill>
           <a:srgbClr val="000000"/>
         </a:solidFill>
@@ -60,7 +61,7 @@
         <a:sym typeface="Arial"/>
       </a:defRPr>
     </a:lvl1pPr>
-    <a:lvl2pPr lvl="1" marR="0" rtl="0" algn="l">
+    <a:lvl2pPr marR="0" lvl="1" algn="l" rtl="0">
       <a:lnSpc>
         <a:spcPct val="100000"/>
       </a:lnSpc>
@@ -71,7 +72,7 @@
         <a:spcPts val="0"/>
       </a:spcAft>
       <a:buNone/>
-      <a:defRPr b="0" i="0" sz="1400" u="none" cap="none" strike="noStrike">
+      <a:defRPr sz="1400" b="0" i="0" u="none" strike="noStrike" cap="none">
         <a:solidFill>
           <a:srgbClr val="000000"/>
         </a:solidFill>
@@ -81,7 +82,7 @@
         <a:sym typeface="Arial"/>
       </a:defRPr>
     </a:lvl2pPr>
-    <a:lvl3pPr lvl="2" marR="0" rtl="0" algn="l">
+    <a:lvl3pPr marR="0" lvl="2" algn="l" rtl="0">
       <a:lnSpc>
         <a:spcPct val="100000"/>
       </a:lnSpc>
@@ -92,7 +93,7 @@
         <a:spcPts val="0"/>
       </a:spcAft>
       <a:buNone/>
-      <a:defRPr b="0" i="0" sz="1400" u="none" cap="none" strike="noStrike">
+      <a:defRPr sz="1400" b="0" i="0" u="none" strike="noStrike" cap="none">
         <a:solidFill>
           <a:srgbClr val="000000"/>
         </a:solidFill>
@@ -102,7 +103,7 @@
         <a:sym typeface="Arial"/>
       </a:defRPr>
     </a:lvl3pPr>
-    <a:lvl4pPr lvl="3" marR="0" rtl="0" algn="l">
+    <a:lvl4pPr marR="0" lvl="3" algn="l" rtl="0">
       <a:lnSpc>
         <a:spcPct val="100000"/>
       </a:lnSpc>
@@ -113,7 +114,7 @@
         <a:spcPts val="0"/>
       </a:spcAft>
       <a:buNone/>
-      <a:defRPr b="0" i="0" sz="1400" u="none" cap="none" strike="noStrike">
+      <a:defRPr sz="1400" b="0" i="0" u="none" strike="noStrike" cap="none">
         <a:solidFill>
           <a:srgbClr val="000000"/>
         </a:solidFill>
@@ -123,7 +124,7 @@
         <a:sym typeface="Arial"/>
       </a:defRPr>
     </a:lvl4pPr>
-    <a:lvl5pPr lvl="4" marR="0" rtl="0" algn="l">
+    <a:lvl5pPr marR="0" lvl="4" algn="l" rtl="0">
       <a:lnSpc>
         <a:spcPct val="100000"/>
       </a:lnSpc>
@@ -134,7 +135,7 @@
         <a:spcPts val="0"/>
       </a:spcAft>
       <a:buNone/>
-      <a:defRPr b="0" i="0" sz="1400" u="none" cap="none" strike="noStrike">
+      <a:defRPr sz="1400" b="0" i="0" u="none" strike="noStrike" cap="none">
         <a:solidFill>
           <a:srgbClr val="000000"/>
         </a:solidFill>
@@ -144,7 +145,7 @@
         <a:sym typeface="Arial"/>
       </a:defRPr>
     </a:lvl5pPr>
-    <a:lvl6pPr lvl="5" marR="0" rtl="0" algn="l">
+    <a:lvl6pPr marR="0" lvl="5" algn="l" rtl="0">
       <a:lnSpc>
         <a:spcPct val="100000"/>
       </a:lnSpc>
@@ -155,7 +156,7 @@
         <a:spcPts val="0"/>
       </a:spcAft>
       <a:buNone/>
-      <a:defRPr b="0" i="0" sz="1400" u="none" cap="none" strike="noStrike">
+      <a:defRPr sz="1400" b="0" i="0" u="none" strike="noStrike" cap="none">
         <a:solidFill>
           <a:srgbClr val="000000"/>
         </a:solidFill>
@@ -165,7 +166,7 @@
         <a:sym typeface="Arial"/>
       </a:defRPr>
     </a:lvl6pPr>
-    <a:lvl7pPr lvl="6" marR="0" rtl="0" algn="l">
+    <a:lvl7pPr marR="0" lvl="6" algn="l" rtl="0">
       <a:lnSpc>
         <a:spcPct val="100000"/>
       </a:lnSpc>
@@ -176,7 +177,7 @@
         <a:spcPts val="0"/>
       </a:spcAft>
       <a:buNone/>
-      <a:defRPr b="0" i="0" sz="1400" u="none" cap="none" strike="noStrike">
+      <a:defRPr sz="1400" b="0" i="0" u="none" strike="noStrike" cap="none">
         <a:solidFill>
           <a:srgbClr val="000000"/>
         </a:solidFill>
@@ -186,7 +187,7 @@
         <a:sym typeface="Arial"/>
       </a:defRPr>
     </a:lvl7pPr>
-    <a:lvl8pPr lvl="7" marR="0" rtl="0" algn="l">
+    <a:lvl8pPr marR="0" lvl="7" algn="l" rtl="0">
       <a:lnSpc>
         <a:spcPct val="100000"/>
       </a:lnSpc>
@@ -197,7 +198,7 @@
         <a:spcPts val="0"/>
       </a:spcAft>
       <a:buNone/>
-      <a:defRPr b="0" i="0" sz="1400" u="none" cap="none" strike="noStrike">
+      <a:defRPr sz="1400" b="0" i="0" u="none" strike="noStrike" cap="none">
         <a:solidFill>
           <a:srgbClr val="000000"/>
         </a:solidFill>
@@ -207,7 +208,7 @@
         <a:sym typeface="Arial"/>
       </a:defRPr>
     </a:lvl8pPr>
-    <a:lvl9pPr lvl="8" marR="0" rtl="0" algn="l">
+    <a:lvl9pPr marR="0" lvl="8" algn="l" rtl="0">
       <a:lnSpc>
         <a:spcPct val="100000"/>
       </a:lnSpc>
@@ -218,7 +219,7 @@
         <a:spcPts val="0"/>
       </a:spcAft>
       <a:buNone/>
-      <a:defRPr b="0" i="0" sz="1400" u="none" cap="none" strike="noStrike">
+      <a:defRPr sz="1400" b="0" i="0" u="none" strike="noStrike" cap="none">
         <a:solidFill>
           <a:srgbClr val="000000"/>
         </a:solidFill>
@@ -233,11 +234,16 @@
 </file>
 
 <file path=ppt/notesMasters/notesMaster1.xml><?xml version="1.0" encoding="utf-8"?>
-<p:notesMaster xmlns:a="http://schemas.openxmlformats.org/drawingml/2006/main" xmlns:r="http://schemas.openxmlformats.org/officeDocument/2006/relationships" xmlns:mc="http://schemas.openxmlformats.org/markup-compatibility/2006" xmlns:mv="urn:schemas-microsoft-com:mac:vml" xmlns:p="http://schemas.openxmlformats.org/presentationml/2006/main" xmlns:c="http://schemas.openxmlformats.org/drawingml/2006/chart" xmlns:dgm="http://schemas.openxmlformats.org/drawingml/2006/diagram" xmlns:o="urn:schemas-microsoft-com:office:office" xmlns:v="urn:schemas-microsoft-com:vml" xmlns:pvml="urn:schemas-microsoft-com:office:powerpoint" xmlns:com="http://schemas.openxmlformats.org/drawingml/2006/compatibility" xmlns:p14="http://schemas.microsoft.com/office/powerpoint/2010/main" xmlns:p15="http://schemas.microsoft.com/office/powerpoint/2012/main">
+<p:notesMaster xmlns:a="http://schemas.openxmlformats.org/drawingml/2006/main" xmlns:r="http://schemas.openxmlformats.org/officeDocument/2006/relationships" xmlns:p="http://schemas.openxmlformats.org/presentationml/2006/main">
   <p:cSld>
+    <p:bg>
+      <p:bgRef idx="1001">
+        <a:schemeClr val="bg1"/>
+      </p:bgRef>
+    </p:bg>
     <p:spTree>
       <p:nvGrpSpPr>
-        <p:cNvPr id="2" name="Shape 2"/>
+        <p:cNvPr id="1" name="Shape 2"/>
         <p:cNvGrpSpPr/>
         <p:nvPr/>
       </p:nvGrpSpPr>
@@ -252,9 +258,11 @@
       <p:sp>
         <p:nvSpPr>
           <p:cNvPr id="3" name="Shape 3"/>
-          <p:cNvSpPr/>
+          <p:cNvSpPr>
+            <a:spLocks noGrp="1" noRot="1" noChangeAspect="1"/>
+          </p:cNvSpPr>
           <p:nvPr>
-            <p:ph idx="2" type="sldImg"/>
+            <p:ph type="sldImg" idx="2"/>
           </p:nvPr>
         </p:nvSpPr>
         <p:spPr>
@@ -263,8 +271,13 @@
             <a:ext cx="6096075" cy="3429000"/>
           </a:xfrm>
           <a:custGeom>
+            <a:avLst/>
+            <a:gdLst/>
+            <a:ahLst/>
+            <a:cxnLst/>
+            <a:rect l="0" t="0" r="0" b="0"/>
             <a:pathLst>
-              <a:path extrusionOk="0" h="120000" w="120000">
+              <a:path w="120000" h="120000" extrusionOk="0">
                 <a:moveTo>
                   <a:pt x="0" y="0"/>
                 </a:moveTo>
@@ -282,23 +295,25 @@
             </a:pathLst>
           </a:custGeom>
           <a:noFill/>
-          <a:ln cap="flat" cmpd="sng" w="9525">
+          <a:ln w="9525" cap="flat" cmpd="sng">
             <a:solidFill>
               <a:srgbClr val="000000"/>
             </a:solidFill>
             <a:prstDash val="solid"/>
             <a:round/>
-            <a:headEnd len="med" w="med" type="none"/>
-            <a:tailEnd len="med" w="med" type="none"/>
+            <a:headEnd type="none" w="med" len="med"/>
+            <a:tailEnd type="none" w="med" len="med"/>
           </a:ln>
         </p:spPr>
       </p:sp>
       <p:sp>
         <p:nvSpPr>
           <p:cNvPr id="4" name="Shape 4"/>
-          <p:cNvSpPr txBox="1"/>
+          <p:cNvSpPr txBox="1">
+            <a:spLocks noGrp="1"/>
+          </p:cNvSpPr>
           <p:nvPr>
-            <p:ph idx="1" type="body"/>
+            <p:ph type="body" idx="1"/>
           </p:nvPr>
         </p:nvSpPr>
         <p:spPr>
@@ -315,7 +330,7 @@
           </a:ln>
         </p:spPr>
         <p:txBody>
-          <a:bodyPr anchorCtr="0" anchor="t" bIns="91425" lIns="91425" rIns="91425" tIns="91425"/>
+          <a:bodyPr lIns="91425" tIns="91425" rIns="91425" bIns="91425" anchor="t" anchorCtr="0"/>
           <a:lstStyle>
             <a:lvl1pPr lvl="0">
               <a:spcBef>
@@ -381,21 +396,120 @@
               <a:defRPr sz="1100"/>
             </a:lvl9pPr>
           </a:lstStyle>
-          <a:p/>
+          <a:p>
+            <a:endParaRPr/>
+          </a:p>
         </p:txBody>
       </p:sp>
     </p:spTree>
+    <p:extLst>
+      <p:ext uri="{BB962C8B-B14F-4D97-AF65-F5344CB8AC3E}">
+        <p14:creationId xmlns:p14="http://schemas.microsoft.com/office/powerpoint/2010/main" val="2568263071"/>
+      </p:ext>
+    </p:extLst>
   </p:cSld>
-  <p:clrMap accent1="accent1" accent2="accent2" accent3="accent3" accent4="accent4" accent5="accent5" accent6="accent6" bg1="lt1" bg2="dk2" tx1="dk1" tx2="lt2" folHlink="folHlink" hlink="hlink"/>
+  <p:clrMap bg1="lt1" tx1="dk1" bg2="dk2" tx2="lt2" accent1="accent1" accent2="accent2" accent3="accent3" accent4="accent4" accent5="accent5" accent6="accent6" hlink="hlink" folHlink="folHlink"/>
+  <p:notesStyle>
+    <a:lvl1pPr marL="0" algn="l" defTabSz="914400" rtl="0" eaLnBrk="1" latinLnBrk="0" hangingPunct="1">
+      <a:defRPr sz="1200" kern="1200">
+        <a:solidFill>
+          <a:schemeClr val="tx1"/>
+        </a:solidFill>
+        <a:latin typeface="+mn-lt"/>
+        <a:ea typeface="+mn-ea"/>
+        <a:cs typeface="+mn-cs"/>
+      </a:defRPr>
+    </a:lvl1pPr>
+    <a:lvl2pPr marL="457200" algn="l" defTabSz="914400" rtl="0" eaLnBrk="1" latinLnBrk="0" hangingPunct="1">
+      <a:defRPr sz="1200" kern="1200">
+        <a:solidFill>
+          <a:schemeClr val="tx1"/>
+        </a:solidFill>
+        <a:latin typeface="+mn-lt"/>
+        <a:ea typeface="+mn-ea"/>
+        <a:cs typeface="+mn-cs"/>
+      </a:defRPr>
+    </a:lvl2pPr>
+    <a:lvl3pPr marL="914400" algn="l" defTabSz="914400" rtl="0" eaLnBrk="1" latinLnBrk="0" hangingPunct="1">
+      <a:defRPr sz="1200" kern="1200">
+        <a:solidFill>
+          <a:schemeClr val="tx1"/>
+        </a:solidFill>
+        <a:latin typeface="+mn-lt"/>
+        <a:ea typeface="+mn-ea"/>
+        <a:cs typeface="+mn-cs"/>
+      </a:defRPr>
+    </a:lvl3pPr>
+    <a:lvl4pPr marL="1371600" algn="l" defTabSz="914400" rtl="0" eaLnBrk="1" latinLnBrk="0" hangingPunct="1">
+      <a:defRPr sz="1200" kern="1200">
+        <a:solidFill>
+          <a:schemeClr val="tx1"/>
+        </a:solidFill>
+        <a:latin typeface="+mn-lt"/>
+        <a:ea typeface="+mn-ea"/>
+        <a:cs typeface="+mn-cs"/>
+      </a:defRPr>
+    </a:lvl4pPr>
+    <a:lvl5pPr marL="1828800" algn="l" defTabSz="914400" rtl="0" eaLnBrk="1" latinLnBrk="0" hangingPunct="1">
+      <a:defRPr sz="1200" kern="1200">
+        <a:solidFill>
+          <a:schemeClr val="tx1"/>
+        </a:solidFill>
+        <a:latin typeface="+mn-lt"/>
+        <a:ea typeface="+mn-ea"/>
+        <a:cs typeface="+mn-cs"/>
+      </a:defRPr>
+    </a:lvl5pPr>
+    <a:lvl6pPr marL="2286000" algn="l" defTabSz="914400" rtl="0" eaLnBrk="1" latinLnBrk="0" hangingPunct="1">
+      <a:defRPr sz="1200" kern="1200">
+        <a:solidFill>
+          <a:schemeClr val="tx1"/>
+        </a:solidFill>
+        <a:latin typeface="+mn-lt"/>
+        <a:ea typeface="+mn-ea"/>
+        <a:cs typeface="+mn-cs"/>
+      </a:defRPr>
+    </a:lvl6pPr>
+    <a:lvl7pPr marL="2743200" algn="l" defTabSz="914400" rtl="0" eaLnBrk="1" latinLnBrk="0" hangingPunct="1">
+      <a:defRPr sz="1200" kern="1200">
+        <a:solidFill>
+          <a:schemeClr val="tx1"/>
+        </a:solidFill>
+        <a:latin typeface="+mn-lt"/>
+        <a:ea typeface="+mn-ea"/>
+        <a:cs typeface="+mn-cs"/>
+      </a:defRPr>
+    </a:lvl7pPr>
+    <a:lvl8pPr marL="3200400" algn="l" defTabSz="914400" rtl="0" eaLnBrk="1" latinLnBrk="0" hangingPunct="1">
+      <a:defRPr sz="1200" kern="1200">
+        <a:solidFill>
+          <a:schemeClr val="tx1"/>
+        </a:solidFill>
+        <a:latin typeface="+mn-lt"/>
+        <a:ea typeface="+mn-ea"/>
+        <a:cs typeface="+mn-cs"/>
+      </a:defRPr>
+    </a:lvl8pPr>
+    <a:lvl9pPr marL="3657600" algn="l" defTabSz="914400" rtl="0" eaLnBrk="1" latinLnBrk="0" hangingPunct="1">
+      <a:defRPr sz="1200" kern="1200">
+        <a:solidFill>
+          <a:schemeClr val="tx1"/>
+        </a:solidFill>
+        <a:latin typeface="+mn-lt"/>
+        <a:ea typeface="+mn-ea"/>
+        <a:cs typeface="+mn-cs"/>
+      </a:defRPr>
+    </a:lvl9pPr>
+  </p:notesStyle>
 </p:notesMaster>
 </file>
 
 <file path=ppt/notesSlides/notesSlide1.xml><?xml version="1.0" encoding="utf-8"?>
-<p:notes xmlns:a="http://schemas.openxmlformats.org/drawingml/2006/main" xmlns:r="http://schemas.openxmlformats.org/officeDocument/2006/relationships" xmlns:mc="http://schemas.openxmlformats.org/markup-compatibility/2006" xmlns:mv="urn:schemas-microsoft-com:mac:vml" xmlns:p="http://schemas.openxmlformats.org/presentationml/2006/main" xmlns:c="http://schemas.openxmlformats.org/drawingml/2006/chart" xmlns:dgm="http://schemas.openxmlformats.org/drawingml/2006/diagram" xmlns:o="urn:schemas-microsoft-com:office:office" xmlns:v="urn:schemas-microsoft-com:vml" xmlns:pvml="urn:schemas-microsoft-com:office:powerpoint" xmlns:com="http://schemas.openxmlformats.org/drawingml/2006/compatibility" xmlns:p14="http://schemas.microsoft.com/office/powerpoint/2010/main" xmlns:p15="http://schemas.microsoft.com/office/powerpoint/2012/main" showMasterPhAnim="0" showMasterSp="0">
+<p:notes xmlns:a="http://schemas.openxmlformats.org/drawingml/2006/main" xmlns:r="http://schemas.openxmlformats.org/officeDocument/2006/relationships" xmlns:p="http://schemas.openxmlformats.org/presentationml/2006/main" showMasterSp="0" showMasterPhAnim="0">
   <p:cSld>
     <p:spTree>
       <p:nvGrpSpPr>
-        <p:cNvPr id="81" name="Shape 81"/>
+        <p:cNvPr id="1" name="Shape 81"/>
         <p:cNvGrpSpPr/>
         <p:nvPr/>
       </p:nvGrpSpPr>
@@ -410,19 +524,26 @@
       <p:sp>
         <p:nvSpPr>
           <p:cNvPr id="82" name="Shape 82"/>
-          <p:cNvSpPr/>
+          <p:cNvSpPr>
+            <a:spLocks noGrp="1" noRot="1" noChangeAspect="1"/>
+          </p:cNvSpPr>
           <p:nvPr>
-            <p:ph idx="2" type="sldImg"/>
+            <p:ph type="sldImg" idx="2"/>
           </p:nvPr>
         </p:nvSpPr>
         <p:spPr>
           <a:xfrm>
-            <a:off x="381187" y="685800"/>
-            <a:ext cx="6096299" cy="3429000"/>
+            <a:off x="381000" y="685800"/>
+            <a:ext cx="6096000" cy="3429000"/>
           </a:xfrm>
           <a:custGeom>
+            <a:avLst/>
+            <a:gdLst/>
+            <a:ahLst/>
+            <a:cxnLst/>
+            <a:rect l="0" t="0" r="0" b="0"/>
             <a:pathLst>
-              <a:path extrusionOk="0" h="120000" w="120000">
+              <a:path w="120000" h="120000" extrusionOk="0">
                 <a:moveTo>
                   <a:pt x="0" y="0"/>
                 </a:moveTo>
@@ -444,9 +565,11 @@
       <p:sp>
         <p:nvSpPr>
           <p:cNvPr id="83" name="Shape 83"/>
-          <p:cNvSpPr txBox="1"/>
+          <p:cNvSpPr txBox="1">
+            <a:spLocks noGrp="1"/>
+          </p:cNvSpPr>
           <p:nvPr>
-            <p:ph idx="1" type="body"/>
+            <p:ph type="body" idx="1"/>
           </p:nvPr>
         </p:nvSpPr>
         <p:spPr>
@@ -459,7 +582,7 @@
           </a:prstGeom>
         </p:spPr>
         <p:txBody>
-          <a:bodyPr anchorCtr="0" anchor="t" bIns="91425" lIns="91425" rIns="91425" tIns="91425">
+          <a:bodyPr lIns="91425" tIns="91425" rIns="91425" bIns="91425" anchor="t" anchorCtr="0">
             <a:noAutofit/>
           </a:bodyPr>
           <a:lstStyle/>
@@ -478,6 +601,11 @@
         </p:txBody>
       </p:sp>
     </p:spTree>
+    <p:extLst>
+      <p:ext uri="{BB962C8B-B14F-4D97-AF65-F5344CB8AC3E}">
+        <p14:creationId xmlns:p14="http://schemas.microsoft.com/office/powerpoint/2010/main" val="677005163"/>
+      </p:ext>
+    </p:extLst>
   </p:cSld>
   <p:clrMapOvr>
     <a:masterClrMapping/>
@@ -486,11 +614,11 @@
 </file>
 
 <file path=ppt/notesSlides/notesSlide2.xml><?xml version="1.0" encoding="utf-8"?>
-<p:notes xmlns:a="http://schemas.openxmlformats.org/drawingml/2006/main" xmlns:r="http://schemas.openxmlformats.org/officeDocument/2006/relationships" xmlns:mc="http://schemas.openxmlformats.org/markup-compatibility/2006" xmlns:mv="urn:schemas-microsoft-com:mac:vml" xmlns:p="http://schemas.openxmlformats.org/presentationml/2006/main" xmlns:c="http://schemas.openxmlformats.org/drawingml/2006/chart" xmlns:dgm="http://schemas.openxmlformats.org/drawingml/2006/diagram" xmlns:o="urn:schemas-microsoft-com:office:office" xmlns:v="urn:schemas-microsoft-com:vml" xmlns:pvml="urn:schemas-microsoft-com:office:powerpoint" xmlns:com="http://schemas.openxmlformats.org/drawingml/2006/compatibility" xmlns:p14="http://schemas.microsoft.com/office/powerpoint/2010/main" xmlns:p15="http://schemas.microsoft.com/office/powerpoint/2012/main" showMasterPhAnim="0" showMasterSp="0">
+<p:notes xmlns:a="http://schemas.openxmlformats.org/drawingml/2006/main" xmlns:r="http://schemas.openxmlformats.org/officeDocument/2006/relationships" xmlns:p="http://schemas.openxmlformats.org/presentationml/2006/main" showMasterSp="0" showMasterPhAnim="0">
   <p:cSld>
     <p:spTree>
       <p:nvGrpSpPr>
-        <p:cNvPr id="87" name="Shape 87"/>
+        <p:cNvPr id="1" name="Shape 87"/>
         <p:cNvGrpSpPr/>
         <p:nvPr/>
       </p:nvGrpSpPr>
@@ -505,19 +633,26 @@
       <p:sp>
         <p:nvSpPr>
           <p:cNvPr id="88" name="Shape 88"/>
-          <p:cNvSpPr/>
+          <p:cNvSpPr>
+            <a:spLocks noGrp="1" noRot="1" noChangeAspect="1"/>
+          </p:cNvSpPr>
           <p:nvPr>
-            <p:ph idx="2" type="sldImg"/>
+            <p:ph type="sldImg" idx="2"/>
           </p:nvPr>
         </p:nvSpPr>
         <p:spPr>
           <a:xfrm>
-            <a:off x="381187" y="685800"/>
-            <a:ext cx="6096299" cy="3429000"/>
+            <a:off x="381000" y="685800"/>
+            <a:ext cx="6096000" cy="3429000"/>
           </a:xfrm>
           <a:custGeom>
+            <a:avLst/>
+            <a:gdLst/>
+            <a:ahLst/>
+            <a:cxnLst/>
+            <a:rect l="0" t="0" r="0" b="0"/>
             <a:pathLst>
-              <a:path extrusionOk="0" h="120000" w="120000">
+              <a:path w="120000" h="120000" extrusionOk="0">
                 <a:moveTo>
                   <a:pt x="0" y="0"/>
                 </a:moveTo>
@@ -539,9 +674,11 @@
       <p:sp>
         <p:nvSpPr>
           <p:cNvPr id="89" name="Shape 89"/>
-          <p:cNvSpPr txBox="1"/>
+          <p:cNvSpPr txBox="1">
+            <a:spLocks noGrp="1"/>
+          </p:cNvSpPr>
           <p:nvPr>
-            <p:ph idx="1" type="body"/>
+            <p:ph type="body" idx="1"/>
           </p:nvPr>
         </p:nvSpPr>
         <p:spPr>
@@ -554,7 +691,7 @@
           </a:prstGeom>
         </p:spPr>
         <p:txBody>
-          <a:bodyPr anchorCtr="0" anchor="t" bIns="91425" lIns="91425" rIns="91425" tIns="91425">
+          <a:bodyPr lIns="91425" tIns="91425" rIns="91425" bIns="91425" anchor="t" anchorCtr="0">
             <a:noAutofit/>
           </a:bodyPr>
           <a:lstStyle/>
@@ -605,13 +742,23 @@
             <a:br>
               <a:rPr lang="en"/>
             </a:br>
+            <a:r>
+              <a:rPr lang="en"/>
+              <a:t/>
+            </a:r>
             <a:br>
               <a:rPr lang="en"/>
             </a:br>
+            <a:endParaRPr lang="en"/>
           </a:p>
         </p:txBody>
       </p:sp>
     </p:spTree>
+    <p:extLst>
+      <p:ext uri="{BB962C8B-B14F-4D97-AF65-F5344CB8AC3E}">
+        <p14:creationId xmlns:p14="http://schemas.microsoft.com/office/powerpoint/2010/main" val="538870580"/>
+      </p:ext>
+    </p:extLst>
   </p:cSld>
   <p:clrMapOvr>
     <a:masterClrMapping/>
@@ -620,11 +767,11 @@
 </file>
 
 <file path=ppt/notesSlides/notesSlide3.xml><?xml version="1.0" encoding="utf-8"?>
-<p:notes xmlns:a="http://schemas.openxmlformats.org/drawingml/2006/main" xmlns:r="http://schemas.openxmlformats.org/officeDocument/2006/relationships" xmlns:mc="http://schemas.openxmlformats.org/markup-compatibility/2006" xmlns:mv="urn:schemas-microsoft-com:mac:vml" xmlns:p="http://schemas.openxmlformats.org/presentationml/2006/main" xmlns:c="http://schemas.openxmlformats.org/drawingml/2006/chart" xmlns:dgm="http://schemas.openxmlformats.org/drawingml/2006/diagram" xmlns:o="urn:schemas-microsoft-com:office:office" xmlns:v="urn:schemas-microsoft-com:vml" xmlns:pvml="urn:schemas-microsoft-com:office:powerpoint" xmlns:com="http://schemas.openxmlformats.org/drawingml/2006/compatibility" xmlns:p14="http://schemas.microsoft.com/office/powerpoint/2010/main" xmlns:p15="http://schemas.microsoft.com/office/powerpoint/2012/main" showMasterPhAnim="0" showMasterSp="0">
+<p:notes xmlns:a="http://schemas.openxmlformats.org/drawingml/2006/main" xmlns:r="http://schemas.openxmlformats.org/officeDocument/2006/relationships" xmlns:p="http://schemas.openxmlformats.org/presentationml/2006/main" showMasterSp="0" showMasterPhAnim="0">
   <p:cSld>
     <p:spTree>
       <p:nvGrpSpPr>
-        <p:cNvPr id="93" name="Shape 93"/>
+        <p:cNvPr id="1" name="Shape 93"/>
         <p:cNvGrpSpPr/>
         <p:nvPr/>
       </p:nvGrpSpPr>
@@ -639,19 +786,26 @@
       <p:sp>
         <p:nvSpPr>
           <p:cNvPr id="94" name="Shape 94"/>
-          <p:cNvSpPr/>
+          <p:cNvSpPr>
+            <a:spLocks noGrp="1" noRot="1" noChangeAspect="1"/>
+          </p:cNvSpPr>
           <p:nvPr>
-            <p:ph idx="2" type="sldImg"/>
+            <p:ph type="sldImg" idx="2"/>
           </p:nvPr>
         </p:nvSpPr>
         <p:spPr>
           <a:xfrm>
-            <a:off x="381187" y="685800"/>
-            <a:ext cx="6096299" cy="3429000"/>
+            <a:off x="381000" y="685800"/>
+            <a:ext cx="6096000" cy="3429000"/>
           </a:xfrm>
           <a:custGeom>
+            <a:avLst/>
+            <a:gdLst/>
+            <a:ahLst/>
+            <a:cxnLst/>
+            <a:rect l="0" t="0" r="0" b="0"/>
             <a:pathLst>
-              <a:path extrusionOk="0" h="120000" w="120000">
+              <a:path w="120000" h="120000" extrusionOk="0">
                 <a:moveTo>
                   <a:pt x="0" y="0"/>
                 </a:moveTo>
@@ -673,9 +827,11 @@
       <p:sp>
         <p:nvSpPr>
           <p:cNvPr id="95" name="Shape 95"/>
-          <p:cNvSpPr txBox="1"/>
+          <p:cNvSpPr txBox="1">
+            <a:spLocks noGrp="1"/>
+          </p:cNvSpPr>
           <p:nvPr>
-            <p:ph idx="1" type="body"/>
+            <p:ph type="body" idx="1"/>
           </p:nvPr>
         </p:nvSpPr>
         <p:spPr>
@@ -688,7 +844,7 @@
           </a:prstGeom>
         </p:spPr>
         <p:txBody>
-          <a:bodyPr anchorCtr="0" anchor="t" bIns="91425" lIns="91425" rIns="91425" tIns="91425">
+          <a:bodyPr lIns="91425" tIns="91425" rIns="91425" bIns="91425" anchor="t" anchorCtr="0">
             <a:noAutofit/>
           </a:bodyPr>
           <a:lstStyle/>
@@ -707,6 +863,11 @@
         </p:txBody>
       </p:sp>
     </p:spTree>
+    <p:extLst>
+      <p:ext uri="{BB962C8B-B14F-4D97-AF65-F5344CB8AC3E}">
+        <p14:creationId xmlns:p14="http://schemas.microsoft.com/office/powerpoint/2010/main" val="1594451831"/>
+      </p:ext>
+    </p:extLst>
   </p:cSld>
   <p:clrMapOvr>
     <a:masterClrMapping/>
@@ -715,11 +876,11 @@
 </file>
 
 <file path=ppt/notesSlides/notesSlide4.xml><?xml version="1.0" encoding="utf-8"?>
-<p:notes xmlns:a="http://schemas.openxmlformats.org/drawingml/2006/main" xmlns:r="http://schemas.openxmlformats.org/officeDocument/2006/relationships" xmlns:mc="http://schemas.openxmlformats.org/markup-compatibility/2006" xmlns:mv="urn:schemas-microsoft-com:mac:vml" xmlns:p="http://schemas.openxmlformats.org/presentationml/2006/main" xmlns:c="http://schemas.openxmlformats.org/drawingml/2006/chart" xmlns:dgm="http://schemas.openxmlformats.org/drawingml/2006/diagram" xmlns:o="urn:schemas-microsoft-com:office:office" xmlns:v="urn:schemas-microsoft-com:vml" xmlns:pvml="urn:schemas-microsoft-com:office:powerpoint" xmlns:com="http://schemas.openxmlformats.org/drawingml/2006/compatibility" xmlns:p14="http://schemas.microsoft.com/office/powerpoint/2010/main" xmlns:p15="http://schemas.microsoft.com/office/powerpoint/2012/main" showMasterPhAnim="0" showMasterSp="0">
+<p:notes xmlns:a="http://schemas.openxmlformats.org/drawingml/2006/main" xmlns:r="http://schemas.openxmlformats.org/officeDocument/2006/relationships" xmlns:p="http://schemas.openxmlformats.org/presentationml/2006/main" showMasterSp="0" showMasterPhAnim="0">
   <p:cSld>
     <p:spTree>
       <p:nvGrpSpPr>
-        <p:cNvPr id="99" name="Shape 99"/>
+        <p:cNvPr id="1" name="Shape 99"/>
         <p:cNvGrpSpPr/>
         <p:nvPr/>
       </p:nvGrpSpPr>
@@ -734,19 +895,26 @@
       <p:sp>
         <p:nvSpPr>
           <p:cNvPr id="100" name="Shape 100"/>
-          <p:cNvSpPr/>
+          <p:cNvSpPr>
+            <a:spLocks noGrp="1" noRot="1" noChangeAspect="1"/>
+          </p:cNvSpPr>
           <p:nvPr>
-            <p:ph idx="2" type="sldImg"/>
+            <p:ph type="sldImg" idx="2"/>
           </p:nvPr>
         </p:nvSpPr>
         <p:spPr>
           <a:xfrm>
-            <a:off x="381187" y="685800"/>
-            <a:ext cx="6096299" cy="3429000"/>
+            <a:off x="381000" y="685800"/>
+            <a:ext cx="6096000" cy="3429000"/>
           </a:xfrm>
           <a:custGeom>
+            <a:avLst/>
+            <a:gdLst/>
+            <a:ahLst/>
+            <a:cxnLst/>
+            <a:rect l="0" t="0" r="0" b="0"/>
             <a:pathLst>
-              <a:path extrusionOk="0" h="120000" w="120000">
+              <a:path w="120000" h="120000" extrusionOk="0">
                 <a:moveTo>
                   <a:pt x="0" y="0"/>
                 </a:moveTo>
@@ -768,9 +936,11 @@
       <p:sp>
         <p:nvSpPr>
           <p:cNvPr id="101" name="Shape 101"/>
-          <p:cNvSpPr txBox="1"/>
+          <p:cNvSpPr txBox="1">
+            <a:spLocks noGrp="1"/>
+          </p:cNvSpPr>
           <p:nvPr>
-            <p:ph idx="1" type="body"/>
+            <p:ph type="body" idx="1"/>
           </p:nvPr>
         </p:nvSpPr>
         <p:spPr>
@@ -783,7 +953,7 @@
           </a:prstGeom>
         </p:spPr>
         <p:txBody>
-          <a:bodyPr anchorCtr="0" anchor="t" bIns="91425" lIns="91425" rIns="91425" tIns="91425">
+          <a:bodyPr lIns="91425" tIns="91425" rIns="91425" bIns="91425" anchor="t" anchorCtr="0">
             <a:noAutofit/>
           </a:bodyPr>
           <a:lstStyle/>
@@ -796,20 +966,17 @@
             </a:pPr>
             <a:r>
               <a:rPr lang="en"/>
-              <a:t>Meet Bob.  Bob owns a centrally located business in Peoria.  He sees driveup traffic of a few hundred per day. His business has only one driveway accessible from Knoxville.  Bob would like to understand when construction projects near his business will impact the flow of traffic so that he can adapt.  He opens his Peoria CIty Worx app and filters by current and permitted projects. </a:t>
-            </a:r>
-            <a:r>
-              <a:rPr lang="en"/>
-              <a:t>The app displays all of the ongoing road construction projects, regardless of governmental jurisdiction.  </a:t>
-            </a:r>
-            <a:r>
-              <a:rPr lang="en"/>
-              <a:t>Bob has heard a rumor that the section of Knoxville in front of his business will be closed soon, but he doesn’t see anything at this time. Since he configured his notifications for a one mile radius from his business, Bob gets a text message for a resurfacing project in front of his business that has just been permitted and will begin shortly.  He marks it as a favorite to follow and will need to adapt his signage to ensure he doesn’t see a slow down in business.</a:t>
+              <a:t>Meet Bob.  Bob owns a centrally located business in Peoria.  He sees driveup traffic of a few hundred per day. His business has only one driveway accessible from Knoxville.  Bob would like to understand when construction projects near his business will impact the flow of traffic so that he can adapt.  He opens his Peoria CIty Worx app and filters by current and permitted projects. The app displays all of the ongoing road construction projects, regardless of governmental jurisdiction.  Bob has heard a rumor that the section of Knoxville in front of his business will be closed soon, but he doesn’t see anything at this time. Since he configured his notifications for a one mile radius from his business, Bob gets a text message for a resurfacing project in front of his business that has just been permitted and will begin shortly.  He marks it as a favorite to follow and will need to adapt his signage to ensure he doesn’t see a slow down in business.</a:t>
             </a:r>
           </a:p>
         </p:txBody>
       </p:sp>
     </p:spTree>
+    <p:extLst>
+      <p:ext uri="{BB962C8B-B14F-4D97-AF65-F5344CB8AC3E}">
+        <p14:creationId xmlns:p14="http://schemas.microsoft.com/office/powerpoint/2010/main" val="365580026"/>
+      </p:ext>
+    </p:extLst>
   </p:cSld>
   <p:clrMapOvr>
     <a:masterClrMapping/>
@@ -818,11 +985,11 @@
 </file>
 
 <file path=ppt/notesSlides/notesSlide5.xml><?xml version="1.0" encoding="utf-8"?>
-<p:notes xmlns:a="http://schemas.openxmlformats.org/drawingml/2006/main" xmlns:r="http://schemas.openxmlformats.org/officeDocument/2006/relationships" xmlns:mc="http://schemas.openxmlformats.org/markup-compatibility/2006" xmlns:mv="urn:schemas-microsoft-com:mac:vml" xmlns:p="http://schemas.openxmlformats.org/presentationml/2006/main" xmlns:c="http://schemas.openxmlformats.org/drawingml/2006/chart" xmlns:dgm="http://schemas.openxmlformats.org/drawingml/2006/diagram" xmlns:o="urn:schemas-microsoft-com:office:office" xmlns:v="urn:schemas-microsoft-com:vml" xmlns:pvml="urn:schemas-microsoft-com:office:powerpoint" xmlns:com="http://schemas.openxmlformats.org/drawingml/2006/compatibility" xmlns:p14="http://schemas.microsoft.com/office/powerpoint/2010/main" xmlns:p15="http://schemas.microsoft.com/office/powerpoint/2012/main" showMasterPhAnim="0" showMasterSp="0">
+<p:notes xmlns:a="http://schemas.openxmlformats.org/drawingml/2006/main" xmlns:r="http://schemas.openxmlformats.org/officeDocument/2006/relationships" xmlns:p="http://schemas.openxmlformats.org/presentationml/2006/main" showMasterSp="0" showMasterPhAnim="0">
   <p:cSld>
     <p:spTree>
       <p:nvGrpSpPr>
-        <p:cNvPr id="107" name="Shape 107"/>
+        <p:cNvPr id="1" name="Shape 107"/>
         <p:cNvGrpSpPr/>
         <p:nvPr/>
       </p:nvGrpSpPr>
@@ -837,19 +1004,26 @@
       <p:sp>
         <p:nvSpPr>
           <p:cNvPr id="108" name="Shape 108"/>
-          <p:cNvSpPr/>
+          <p:cNvSpPr>
+            <a:spLocks noGrp="1" noRot="1" noChangeAspect="1"/>
+          </p:cNvSpPr>
           <p:nvPr>
-            <p:ph idx="2" type="sldImg"/>
+            <p:ph type="sldImg" idx="2"/>
           </p:nvPr>
         </p:nvSpPr>
         <p:spPr>
           <a:xfrm>
-            <a:off x="381187" y="685800"/>
-            <a:ext cx="6096299" cy="3429000"/>
+            <a:off x="381000" y="685800"/>
+            <a:ext cx="6096000" cy="3429000"/>
           </a:xfrm>
           <a:custGeom>
+            <a:avLst/>
+            <a:gdLst/>
+            <a:ahLst/>
+            <a:cxnLst/>
+            <a:rect l="0" t="0" r="0" b="0"/>
             <a:pathLst>
-              <a:path extrusionOk="0" h="120000" w="120000">
+              <a:path w="120000" h="120000" extrusionOk="0">
                 <a:moveTo>
                   <a:pt x="0" y="0"/>
                 </a:moveTo>
@@ -871,9 +1045,11 @@
       <p:sp>
         <p:nvSpPr>
           <p:cNvPr id="109" name="Shape 109"/>
-          <p:cNvSpPr txBox="1"/>
+          <p:cNvSpPr txBox="1">
+            <a:spLocks noGrp="1"/>
+          </p:cNvSpPr>
           <p:nvPr>
-            <p:ph idx="1" type="body"/>
+            <p:ph type="body" idx="1"/>
           </p:nvPr>
         </p:nvSpPr>
         <p:spPr>
@@ -886,7 +1062,7 @@
           </a:prstGeom>
         </p:spPr>
         <p:txBody>
-          <a:bodyPr anchorCtr="0" anchor="t" bIns="91425" lIns="91425" rIns="91425" tIns="91425">
+          <a:bodyPr lIns="91425" tIns="91425" rIns="91425" bIns="91425" anchor="t" anchorCtr="0">
             <a:noAutofit/>
           </a:bodyPr>
           <a:lstStyle/>
@@ -905,6 +1081,11 @@
         </p:txBody>
       </p:sp>
     </p:spTree>
+    <p:extLst>
+      <p:ext uri="{BB962C8B-B14F-4D97-AF65-F5344CB8AC3E}">
+        <p14:creationId xmlns:p14="http://schemas.microsoft.com/office/powerpoint/2010/main" val="2641405528"/>
+      </p:ext>
+    </p:extLst>
   </p:cSld>
   <p:clrMapOvr>
     <a:masterClrMapping/>
@@ -913,11 +1094,11 @@
 </file>
 
 <file path=ppt/notesSlides/notesSlide6.xml><?xml version="1.0" encoding="utf-8"?>
-<p:notes xmlns:a="http://schemas.openxmlformats.org/drawingml/2006/main" xmlns:r="http://schemas.openxmlformats.org/officeDocument/2006/relationships" xmlns:mc="http://schemas.openxmlformats.org/markup-compatibility/2006" xmlns:mv="urn:schemas-microsoft-com:mac:vml" xmlns:p="http://schemas.openxmlformats.org/presentationml/2006/main" xmlns:c="http://schemas.openxmlformats.org/drawingml/2006/chart" xmlns:dgm="http://schemas.openxmlformats.org/drawingml/2006/diagram" xmlns:o="urn:schemas-microsoft-com:office:office" xmlns:v="urn:schemas-microsoft-com:vml" xmlns:pvml="urn:schemas-microsoft-com:office:powerpoint" xmlns:com="http://schemas.openxmlformats.org/drawingml/2006/compatibility" xmlns:p14="http://schemas.microsoft.com/office/powerpoint/2010/main" xmlns:p15="http://schemas.microsoft.com/office/powerpoint/2012/main" showMasterPhAnim="0" showMasterSp="0">
+<p:notes xmlns:a="http://schemas.openxmlformats.org/drawingml/2006/main" xmlns:r="http://schemas.openxmlformats.org/officeDocument/2006/relationships" xmlns:p="http://schemas.openxmlformats.org/presentationml/2006/main" showMasterSp="0" showMasterPhAnim="0">
   <p:cSld>
     <p:spTree>
       <p:nvGrpSpPr>
-        <p:cNvPr id="114" name="Shape 114"/>
+        <p:cNvPr id="1" name="Shape 114"/>
         <p:cNvGrpSpPr/>
         <p:nvPr/>
       </p:nvGrpSpPr>
@@ -932,19 +1113,26 @@
       <p:sp>
         <p:nvSpPr>
           <p:cNvPr id="115" name="Shape 115"/>
-          <p:cNvSpPr/>
+          <p:cNvSpPr>
+            <a:spLocks noGrp="1" noRot="1" noChangeAspect="1"/>
+          </p:cNvSpPr>
           <p:nvPr>
-            <p:ph idx="2" type="sldImg"/>
+            <p:ph type="sldImg" idx="2"/>
           </p:nvPr>
         </p:nvSpPr>
         <p:spPr>
           <a:xfrm>
-            <a:off x="381187" y="685800"/>
-            <a:ext cx="6096299" cy="3429000"/>
+            <a:off x="381000" y="685800"/>
+            <a:ext cx="6096000" cy="3429000"/>
           </a:xfrm>
           <a:custGeom>
+            <a:avLst/>
+            <a:gdLst/>
+            <a:ahLst/>
+            <a:cxnLst/>
+            <a:rect l="0" t="0" r="0" b="0"/>
             <a:pathLst>
-              <a:path extrusionOk="0" h="120000" w="120000">
+              <a:path w="120000" h="120000" extrusionOk="0">
                 <a:moveTo>
                   <a:pt x="0" y="0"/>
                 </a:moveTo>
@@ -966,9 +1154,11 @@
       <p:sp>
         <p:nvSpPr>
           <p:cNvPr id="116" name="Shape 116"/>
-          <p:cNvSpPr txBox="1"/>
+          <p:cNvSpPr txBox="1">
+            <a:spLocks noGrp="1"/>
+          </p:cNvSpPr>
           <p:nvPr>
-            <p:ph idx="1" type="body"/>
+            <p:ph type="body" idx="1"/>
           </p:nvPr>
         </p:nvSpPr>
         <p:spPr>
@@ -981,7 +1171,7 @@
           </a:prstGeom>
         </p:spPr>
         <p:txBody>
-          <a:bodyPr anchorCtr="0" anchor="t" bIns="91425" lIns="91425" rIns="91425" tIns="91425">
+          <a:bodyPr lIns="91425" tIns="91425" rIns="91425" bIns="91425" anchor="t" anchorCtr="0">
             <a:noAutofit/>
           </a:bodyPr>
           <a:lstStyle/>
@@ -1000,6 +1190,11 @@
         </p:txBody>
       </p:sp>
     </p:spTree>
+    <p:extLst>
+      <p:ext uri="{BB962C8B-B14F-4D97-AF65-F5344CB8AC3E}">
+        <p14:creationId xmlns:p14="http://schemas.microsoft.com/office/powerpoint/2010/main" val="3350705076"/>
+      </p:ext>
+    </p:extLst>
   </p:cSld>
   <p:clrMapOvr>
     <a:masterClrMapping/>
@@ -1008,11 +1203,11 @@
 </file>
 
 <file path=ppt/notesSlides/notesSlide7.xml><?xml version="1.0" encoding="utf-8"?>
-<p:notes xmlns:a="http://schemas.openxmlformats.org/drawingml/2006/main" xmlns:r="http://schemas.openxmlformats.org/officeDocument/2006/relationships" xmlns:mc="http://schemas.openxmlformats.org/markup-compatibility/2006" xmlns:mv="urn:schemas-microsoft-com:mac:vml" xmlns:p="http://schemas.openxmlformats.org/presentationml/2006/main" xmlns:c="http://schemas.openxmlformats.org/drawingml/2006/chart" xmlns:dgm="http://schemas.openxmlformats.org/drawingml/2006/diagram" xmlns:o="urn:schemas-microsoft-com:office:office" xmlns:v="urn:schemas-microsoft-com:vml" xmlns:pvml="urn:schemas-microsoft-com:office:powerpoint" xmlns:com="http://schemas.openxmlformats.org/drawingml/2006/compatibility" xmlns:p14="http://schemas.microsoft.com/office/powerpoint/2010/main" xmlns:p15="http://schemas.microsoft.com/office/powerpoint/2012/main" showMasterPhAnim="0" showMasterSp="0">
+<p:notes xmlns:a="http://schemas.openxmlformats.org/drawingml/2006/main" xmlns:r="http://schemas.openxmlformats.org/officeDocument/2006/relationships" xmlns:p="http://schemas.openxmlformats.org/presentationml/2006/main" showMasterSp="0" showMasterPhAnim="0">
   <p:cSld>
     <p:spTree>
       <p:nvGrpSpPr>
-        <p:cNvPr id="122" name="Shape 122"/>
+        <p:cNvPr id="1" name="Shape 122"/>
         <p:cNvGrpSpPr/>
         <p:nvPr/>
       </p:nvGrpSpPr>
@@ -1027,19 +1222,26 @@
       <p:sp>
         <p:nvSpPr>
           <p:cNvPr id="123" name="Shape 123"/>
-          <p:cNvSpPr/>
+          <p:cNvSpPr>
+            <a:spLocks noGrp="1" noRot="1" noChangeAspect="1"/>
+          </p:cNvSpPr>
           <p:nvPr>
-            <p:ph idx="2" type="sldImg"/>
+            <p:ph type="sldImg" idx="2"/>
           </p:nvPr>
         </p:nvSpPr>
         <p:spPr>
           <a:xfrm>
-            <a:off x="381187" y="685800"/>
-            <a:ext cx="6096299" cy="3429000"/>
+            <a:off x="381000" y="685800"/>
+            <a:ext cx="6096000" cy="3429000"/>
           </a:xfrm>
           <a:custGeom>
+            <a:avLst/>
+            <a:gdLst/>
+            <a:ahLst/>
+            <a:cxnLst/>
+            <a:rect l="0" t="0" r="0" b="0"/>
             <a:pathLst>
-              <a:path extrusionOk="0" h="120000" w="120000">
+              <a:path w="120000" h="120000" extrusionOk="0">
                 <a:moveTo>
                   <a:pt x="0" y="0"/>
                 </a:moveTo>
@@ -1061,9 +1263,11 @@
       <p:sp>
         <p:nvSpPr>
           <p:cNvPr id="124" name="Shape 124"/>
-          <p:cNvSpPr txBox="1"/>
+          <p:cNvSpPr txBox="1">
+            <a:spLocks noGrp="1"/>
+          </p:cNvSpPr>
           <p:nvPr>
-            <p:ph idx="1" type="body"/>
+            <p:ph type="body" idx="1"/>
           </p:nvPr>
         </p:nvSpPr>
         <p:spPr>
@@ -1076,7 +1280,7 @@
           </a:prstGeom>
         </p:spPr>
         <p:txBody>
-          <a:bodyPr anchorCtr="0" anchor="t" bIns="91425" lIns="91425" rIns="91425" tIns="91425">
+          <a:bodyPr lIns="91425" tIns="91425" rIns="91425" bIns="91425" anchor="t" anchorCtr="0">
             <a:noAutofit/>
           </a:bodyPr>
           <a:lstStyle/>
@@ -1095,6 +1299,11 @@
         </p:txBody>
       </p:sp>
     </p:spTree>
+    <p:extLst>
+      <p:ext uri="{BB962C8B-B14F-4D97-AF65-F5344CB8AC3E}">
+        <p14:creationId xmlns:p14="http://schemas.microsoft.com/office/powerpoint/2010/main" val="3154205363"/>
+      </p:ext>
+    </p:extLst>
   </p:cSld>
   <p:clrMapOvr>
     <a:masterClrMapping/>
@@ -1103,18 +1312,19 @@
 </file>
 
 <file path=ppt/slideLayouts/slideLayout1.xml><?xml version="1.0" encoding="utf-8"?>
-<p:sldLayout xmlns:a="http://schemas.openxmlformats.org/drawingml/2006/main" xmlns:r="http://schemas.openxmlformats.org/officeDocument/2006/relationships" xmlns:mc="http://schemas.openxmlformats.org/markup-compatibility/2006" xmlns:mv="urn:schemas-microsoft-com:mac:vml" xmlns:p="http://schemas.openxmlformats.org/presentationml/2006/main" xmlns:c="http://schemas.openxmlformats.org/drawingml/2006/chart" xmlns:dgm="http://schemas.openxmlformats.org/drawingml/2006/diagram" xmlns:o="urn:schemas-microsoft-com:office:office" xmlns:v="urn:schemas-microsoft-com:vml" xmlns:pvml="urn:schemas-microsoft-com:office:powerpoint" xmlns:com="http://schemas.openxmlformats.org/drawingml/2006/compatibility" xmlns:p14="http://schemas.microsoft.com/office/powerpoint/2010/main" xmlns:p15="http://schemas.microsoft.com/office/powerpoint/2012/main" type="title">
+<p:sldLayout xmlns:a="http://schemas.openxmlformats.org/drawingml/2006/main" xmlns:r="http://schemas.openxmlformats.org/officeDocument/2006/relationships" xmlns:p="http://schemas.openxmlformats.org/presentationml/2006/main" type="title">
   <p:cSld name="Title slide">
     <p:bg>
       <p:bgPr>
         <a:solidFill>
           <a:schemeClr val="dk1"/>
         </a:solidFill>
+        <a:effectLst/>
       </p:bgPr>
     </p:bg>
     <p:spTree>
       <p:nvGrpSpPr>
-        <p:cNvPr id="9" name="Shape 9"/>
+        <p:cNvPr id="1" name="Shape 9"/>
         <p:cNvGrpSpPr/>
         <p:nvPr/>
       </p:nvGrpSpPr>
@@ -1162,7 +1372,7 @@
             </a:ln>
           </p:spPr>
           <p:txBody>
-            <a:bodyPr anchorCtr="0" anchor="ctr" bIns="91425" lIns="91425" rIns="91425" tIns="91425">
+            <a:bodyPr lIns="91425" tIns="91425" rIns="91425" bIns="91425" anchor="ctr" anchorCtr="0">
               <a:noAutofit/>
             </a:bodyPr>
             <a:lstStyle/>
@@ -1173,9 +1383,6 @@
                 </a:spcBef>
                 <a:buNone/>
               </a:pPr>
-              <a:r>
-                <a:t/>
-              </a:r>
               <a:endParaRPr/>
             </a:p>
           </p:txBody>
@@ -1202,7 +1409,7 @@
             </a:ln>
           </p:spPr>
           <p:txBody>
-            <a:bodyPr anchorCtr="0" anchor="ctr" bIns="91425" lIns="91425" rIns="91425" tIns="91425">
+            <a:bodyPr lIns="91425" tIns="91425" rIns="91425" bIns="91425" anchor="ctr" anchorCtr="0">
               <a:noAutofit/>
             </a:bodyPr>
             <a:lstStyle/>
@@ -1213,9 +1420,6 @@
                 </a:spcBef>
                 <a:buNone/>
               </a:pPr>
-              <a:r>
-                <a:t/>
-              </a:r>
               <a:endParaRPr/>
             </a:p>
           </p:txBody>
@@ -1227,7 +1431,7 @@
             <p:nvPr/>
           </p:nvSpPr>
           <p:spPr>
-            <a:xfrm flipH="1" rot="10800000">
+            <a:xfrm rot="10800000" flipH="1">
               <a:off x="7113588" y="106"/>
               <a:ext cx="1015200" cy="1015200"/>
             </a:xfrm>
@@ -1242,7 +1446,7 @@
             </a:ln>
           </p:spPr>
           <p:txBody>
-            <a:bodyPr anchorCtr="0" anchor="ctr" bIns="91425" lIns="91425" rIns="91425" tIns="91425">
+            <a:bodyPr lIns="91425" tIns="91425" rIns="91425" bIns="91425" anchor="ctr" anchorCtr="0">
               <a:noAutofit/>
             </a:bodyPr>
             <a:lstStyle/>
@@ -1253,9 +1457,6 @@
                 </a:spcBef>
                 <a:buNone/>
               </a:pPr>
-              <a:r>
-                <a:t/>
-              </a:r>
               <a:endParaRPr/>
             </a:p>
           </p:txBody>
@@ -1282,7 +1483,7 @@
             </a:ln>
           </p:spPr>
           <p:txBody>
-            <a:bodyPr anchorCtr="0" anchor="ctr" bIns="91425" lIns="91425" rIns="91425" tIns="91425">
+            <a:bodyPr lIns="91425" tIns="91425" rIns="91425" bIns="91425" anchor="ctr" anchorCtr="0">
               <a:noAutofit/>
             </a:bodyPr>
             <a:lstStyle/>
@@ -1293,9 +1494,6 @@
                 </a:spcBef>
                 <a:buNone/>
               </a:pPr>
-              <a:r>
-                <a:t/>
-              </a:r>
               <a:endParaRPr/>
             </a:p>
           </p:txBody>
@@ -1322,7 +1520,7 @@
             </a:ln>
           </p:spPr>
           <p:txBody>
-            <a:bodyPr anchorCtr="0" anchor="ctr" bIns="91425" lIns="91425" rIns="91425" tIns="91425">
+            <a:bodyPr lIns="91425" tIns="91425" rIns="91425" bIns="91425" anchor="ctr" anchorCtr="0">
               <a:noAutofit/>
             </a:bodyPr>
             <a:lstStyle/>
@@ -1333,9 +1531,6 @@
                 </a:spcBef>
                 <a:buNone/>
               </a:pPr>
-              <a:r>
-                <a:t/>
-              </a:r>
               <a:endParaRPr/>
             </a:p>
           </p:txBody>
@@ -1344,7 +1539,9 @@
       <p:sp>
         <p:nvSpPr>
           <p:cNvPr id="16" name="Shape 16"/>
-          <p:cNvSpPr txBox="1"/>
+          <p:cNvSpPr txBox="1">
+            <a:spLocks noGrp="1"/>
+          </p:cNvSpPr>
           <p:nvPr>
             <p:ph type="ctrTitle"/>
           </p:nvPr>
@@ -1359,7 +1556,7 @@
           </a:prstGeom>
         </p:spPr>
         <p:txBody>
-          <a:bodyPr anchorCtr="0" anchor="b" bIns="91425" lIns="91425" rIns="91425" tIns="91425"/>
+          <a:bodyPr lIns="91425" tIns="91425" rIns="91425" bIns="91425" anchor="b" anchorCtr="0"/>
           <a:lstStyle>
             <a:lvl1pPr lvl="0">
               <a:spcBef>
@@ -1488,15 +1685,19 @@
               </a:defRPr>
             </a:lvl9pPr>
           </a:lstStyle>
-          <a:p/>
+          <a:p>
+            <a:endParaRPr/>
+          </a:p>
         </p:txBody>
       </p:sp>
       <p:sp>
         <p:nvSpPr>
           <p:cNvPr id="17" name="Shape 17"/>
-          <p:cNvSpPr txBox="1"/>
+          <p:cNvSpPr txBox="1">
+            <a:spLocks noGrp="1"/>
+          </p:cNvSpPr>
           <p:nvPr>
-            <p:ph idx="1" type="subTitle"/>
+            <p:ph type="subTitle" idx="1"/>
           </p:nvPr>
         </p:nvSpPr>
         <p:spPr>
@@ -1509,7 +1710,7 @@
           </a:prstGeom>
         </p:spPr>
         <p:txBody>
-          <a:bodyPr anchorCtr="0" anchor="t" bIns="91425" lIns="91425" rIns="91425" tIns="91425"/>
+          <a:bodyPr lIns="91425" tIns="91425" rIns="91425" bIns="91425" anchor="t" anchorCtr="0"/>
           <a:lstStyle>
             <a:lvl1pPr lvl="0">
               <a:lnSpc>
@@ -1701,15 +1902,19 @@
               </a:defRPr>
             </a:lvl9pPr>
           </a:lstStyle>
-          <a:p/>
+          <a:p>
+            <a:endParaRPr/>
+          </a:p>
         </p:txBody>
       </p:sp>
       <p:sp>
         <p:nvSpPr>
           <p:cNvPr id="18" name="Shape 18"/>
-          <p:cNvSpPr txBox="1"/>
+          <p:cNvSpPr txBox="1">
+            <a:spLocks noGrp="1"/>
+          </p:cNvSpPr>
           <p:nvPr>
-            <p:ph idx="12" type="sldNum"/>
+            <p:ph type="sldNum" idx="12"/>
           </p:nvPr>
         </p:nvSpPr>
         <p:spPr>
@@ -1722,7 +1927,7 @@
           </a:prstGeom>
         </p:spPr>
         <p:txBody>
-          <a:bodyPr anchorCtr="0" anchor="ctr" bIns="91425" lIns="91425" rIns="91425" tIns="91425">
+          <a:bodyPr lIns="91425" tIns="91425" rIns="91425" bIns="91425" anchor="ctr" anchorCtr="0">
             <a:noAutofit/>
           </a:bodyPr>
           <a:lstStyle/>
@@ -1737,6 +1942,7 @@
               <a:rPr lang="en"/>
               <a:t>‹#›</a:t>
             </a:fld>
+            <a:endParaRPr lang="en"/>
           </a:p>
         </p:txBody>
       </p:sp>
@@ -1749,18 +1955,19 @@
 </file>
 
 <file path=ppt/slideLayouts/slideLayout10.xml><?xml version="1.0" encoding="utf-8"?>
-<p:sldLayout xmlns:a="http://schemas.openxmlformats.org/drawingml/2006/main" xmlns:r="http://schemas.openxmlformats.org/officeDocument/2006/relationships" xmlns:mc="http://schemas.openxmlformats.org/markup-compatibility/2006" xmlns:mv="urn:schemas-microsoft-com:mac:vml" xmlns:p="http://schemas.openxmlformats.org/presentationml/2006/main" xmlns:c="http://schemas.openxmlformats.org/drawingml/2006/chart" xmlns:dgm="http://schemas.openxmlformats.org/drawingml/2006/diagram" xmlns:o="urn:schemas-microsoft-com:office:office" xmlns:v="urn:schemas-microsoft-com:vml" xmlns:pvml="urn:schemas-microsoft-com:office:powerpoint" xmlns:com="http://schemas.openxmlformats.org/drawingml/2006/compatibility" xmlns:p14="http://schemas.microsoft.com/office/powerpoint/2010/main" xmlns:p15="http://schemas.microsoft.com/office/powerpoint/2012/main">
+<p:sldLayout xmlns:a="http://schemas.openxmlformats.org/drawingml/2006/main" xmlns:r="http://schemas.openxmlformats.org/officeDocument/2006/relationships" xmlns:p="http://schemas.openxmlformats.org/presentationml/2006/main">
   <p:cSld name="Big number">
     <p:bg>
       <p:bgPr>
         <a:solidFill>
           <a:schemeClr val="dk1"/>
         </a:solidFill>
+        <a:effectLst/>
       </p:bgPr>
     </p:bg>
     <p:spTree>
       <p:nvGrpSpPr>
-        <p:cNvPr id="69" name="Shape 69"/>
+        <p:cNvPr id="1" name="Shape 69"/>
         <p:cNvGrpSpPr/>
         <p:nvPr/>
       </p:nvGrpSpPr>
@@ -1808,7 +2015,7 @@
             </a:ln>
           </p:spPr>
           <p:txBody>
-            <a:bodyPr anchorCtr="0" anchor="ctr" bIns="91425" lIns="91425" rIns="91425" tIns="91425">
+            <a:bodyPr lIns="91425" tIns="91425" rIns="91425" bIns="91425" anchor="ctr" anchorCtr="0">
               <a:noAutofit/>
             </a:bodyPr>
             <a:lstStyle/>
@@ -1819,9 +2026,6 @@
                 </a:spcBef>
                 <a:buNone/>
               </a:pPr>
-              <a:r>
-                <a:t/>
-              </a:r>
               <a:endParaRPr/>
             </a:p>
           </p:txBody>
@@ -1848,7 +2052,7 @@
             </a:ln>
           </p:spPr>
           <p:txBody>
-            <a:bodyPr anchorCtr="0" anchor="ctr" bIns="91425" lIns="91425" rIns="91425" tIns="91425">
+            <a:bodyPr lIns="91425" tIns="91425" rIns="91425" bIns="91425" anchor="ctr" anchorCtr="0">
               <a:noAutofit/>
             </a:bodyPr>
             <a:lstStyle/>
@@ -1859,9 +2063,6 @@
                 </a:spcBef>
                 <a:buNone/>
               </a:pPr>
-              <a:r>
-                <a:t/>
-              </a:r>
               <a:endParaRPr/>
             </a:p>
           </p:txBody>
@@ -1873,7 +2074,7 @@
             <p:nvPr/>
           </p:nvSpPr>
           <p:spPr>
-            <a:xfrm flipH="1" rot="10800000">
+            <a:xfrm rot="10800000" flipH="1">
               <a:off x="7113588" y="106"/>
               <a:ext cx="1015200" cy="1015200"/>
             </a:xfrm>
@@ -1888,7 +2089,7 @@
             </a:ln>
           </p:spPr>
           <p:txBody>
-            <a:bodyPr anchorCtr="0" anchor="ctr" bIns="91425" lIns="91425" rIns="91425" tIns="91425">
+            <a:bodyPr lIns="91425" tIns="91425" rIns="91425" bIns="91425" anchor="ctr" anchorCtr="0">
               <a:noAutofit/>
             </a:bodyPr>
             <a:lstStyle/>
@@ -1899,9 +2100,6 @@
                 </a:spcBef>
                 <a:buNone/>
               </a:pPr>
-              <a:r>
-                <a:t/>
-              </a:r>
               <a:endParaRPr/>
             </a:p>
           </p:txBody>
@@ -1928,7 +2126,7 @@
             </a:ln>
           </p:spPr>
           <p:txBody>
-            <a:bodyPr anchorCtr="0" anchor="ctr" bIns="91425" lIns="91425" rIns="91425" tIns="91425">
+            <a:bodyPr lIns="91425" tIns="91425" rIns="91425" bIns="91425" anchor="ctr" anchorCtr="0">
               <a:noAutofit/>
             </a:bodyPr>
             <a:lstStyle/>
@@ -1939,9 +2137,6 @@
                 </a:spcBef>
                 <a:buNone/>
               </a:pPr>
-              <a:r>
-                <a:t/>
-              </a:r>
               <a:endParaRPr/>
             </a:p>
           </p:txBody>
@@ -1968,7 +2163,7 @@
             </a:ln>
           </p:spPr>
           <p:txBody>
-            <a:bodyPr anchorCtr="0" anchor="ctr" bIns="91425" lIns="91425" rIns="91425" tIns="91425">
+            <a:bodyPr lIns="91425" tIns="91425" rIns="91425" bIns="91425" anchor="ctr" anchorCtr="0">
               <a:noAutofit/>
             </a:bodyPr>
             <a:lstStyle/>
@@ -1979,9 +2174,6 @@
                 </a:spcBef>
                 <a:buNone/>
               </a:pPr>
-              <a:r>
-                <a:t/>
-              </a:r>
               <a:endParaRPr/>
             </a:p>
           </p:txBody>
@@ -1990,7 +2182,9 @@
       <p:sp>
         <p:nvSpPr>
           <p:cNvPr id="76" name="Shape 76"/>
-          <p:cNvSpPr txBox="1"/>
+          <p:cNvSpPr txBox="1">
+            <a:spLocks noGrp="1"/>
+          </p:cNvSpPr>
           <p:nvPr>
             <p:ph type="title"/>
           </p:nvPr>
@@ -2005,7 +2199,7 @@
           </a:prstGeom>
         </p:spPr>
         <p:txBody>
-          <a:bodyPr anchorCtr="0" anchor="b" bIns="91425" lIns="91425" rIns="91425" tIns="91425"/>
+          <a:bodyPr lIns="91425" tIns="91425" rIns="91425" bIns="91425" anchor="b" anchorCtr="0"/>
           <a:lstStyle>
             <a:lvl1pPr lvl="0" algn="ctr">
               <a:spcBef>
@@ -2134,15 +2328,19 @@
               </a:defRPr>
             </a:lvl9pPr>
           </a:lstStyle>
-          <a:p/>
+          <a:p>
+            <a:endParaRPr/>
+          </a:p>
         </p:txBody>
       </p:sp>
       <p:sp>
         <p:nvSpPr>
           <p:cNvPr id="77" name="Shape 77"/>
-          <p:cNvSpPr txBox="1"/>
+          <p:cNvSpPr txBox="1">
+            <a:spLocks noGrp="1"/>
+          </p:cNvSpPr>
           <p:nvPr>
-            <p:ph idx="1" type="body"/>
+            <p:ph type="body" idx="1"/>
           </p:nvPr>
         </p:nvSpPr>
         <p:spPr>
@@ -2155,7 +2353,7 @@
           </a:prstGeom>
         </p:spPr>
         <p:txBody>
-          <a:bodyPr anchorCtr="0" anchor="t" bIns="91425" lIns="91425" rIns="91425" tIns="91425"/>
+          <a:bodyPr lIns="91425" tIns="91425" rIns="91425" bIns="91425" anchor="t" anchorCtr="0"/>
           <a:lstStyle>
             <a:lvl1pPr lvl="0" algn="ctr">
               <a:spcBef>
@@ -2275,15 +2473,19 @@
               </a:defRPr>
             </a:lvl9pPr>
           </a:lstStyle>
-          <a:p/>
+          <a:p>
+            <a:endParaRPr/>
+          </a:p>
         </p:txBody>
       </p:sp>
       <p:sp>
         <p:nvSpPr>
           <p:cNvPr id="78" name="Shape 78"/>
-          <p:cNvSpPr txBox="1"/>
+          <p:cNvSpPr txBox="1">
+            <a:spLocks noGrp="1"/>
+          </p:cNvSpPr>
           <p:nvPr>
-            <p:ph idx="12" type="sldNum"/>
+            <p:ph type="sldNum" idx="12"/>
           </p:nvPr>
         </p:nvSpPr>
         <p:spPr>
@@ -2296,7 +2498,7 @@
           </a:prstGeom>
         </p:spPr>
         <p:txBody>
-          <a:bodyPr anchorCtr="0" anchor="ctr" bIns="91425" lIns="91425" rIns="91425" tIns="91425">
+          <a:bodyPr lIns="91425" tIns="91425" rIns="91425" bIns="91425" anchor="ctr" anchorCtr="0">
             <a:noAutofit/>
           </a:bodyPr>
           <a:lstStyle/>
@@ -2311,6 +2513,7 @@
               <a:rPr lang="en"/>
               <a:t>‹#›</a:t>
             </a:fld>
+            <a:endParaRPr lang="en"/>
           </a:p>
         </p:txBody>
       </p:sp>
@@ -2323,11 +2526,11 @@
 </file>
 
 <file path=ppt/slideLayouts/slideLayout11.xml><?xml version="1.0" encoding="utf-8"?>
-<p:sldLayout xmlns:a="http://schemas.openxmlformats.org/drawingml/2006/main" xmlns:r="http://schemas.openxmlformats.org/officeDocument/2006/relationships" xmlns:mc="http://schemas.openxmlformats.org/markup-compatibility/2006" xmlns:mv="urn:schemas-microsoft-com:mac:vml" xmlns:p="http://schemas.openxmlformats.org/presentationml/2006/main" xmlns:c="http://schemas.openxmlformats.org/drawingml/2006/chart" xmlns:dgm="http://schemas.openxmlformats.org/drawingml/2006/diagram" xmlns:o="urn:schemas-microsoft-com:office:office" xmlns:v="urn:schemas-microsoft-com:vml" xmlns:pvml="urn:schemas-microsoft-com:office:powerpoint" xmlns:com="http://schemas.openxmlformats.org/drawingml/2006/compatibility" xmlns:p14="http://schemas.microsoft.com/office/powerpoint/2010/main" xmlns:p15="http://schemas.microsoft.com/office/powerpoint/2012/main" type="blank">
+<p:sldLayout xmlns:a="http://schemas.openxmlformats.org/drawingml/2006/main" xmlns:r="http://schemas.openxmlformats.org/officeDocument/2006/relationships" xmlns:p="http://schemas.openxmlformats.org/presentationml/2006/main" type="blank">
   <p:cSld name="Blank">
     <p:spTree>
       <p:nvGrpSpPr>
-        <p:cNvPr id="79" name="Shape 79"/>
+        <p:cNvPr id="1" name="Shape 79"/>
         <p:cNvGrpSpPr/>
         <p:nvPr/>
       </p:nvGrpSpPr>
@@ -2342,9 +2545,11 @@
       <p:sp>
         <p:nvSpPr>
           <p:cNvPr id="80" name="Shape 80"/>
-          <p:cNvSpPr txBox="1"/>
+          <p:cNvSpPr txBox="1">
+            <a:spLocks noGrp="1"/>
+          </p:cNvSpPr>
           <p:nvPr>
-            <p:ph idx="12" type="sldNum"/>
+            <p:ph type="sldNum" idx="12"/>
           </p:nvPr>
         </p:nvSpPr>
         <p:spPr>
@@ -2357,7 +2562,7 @@
           </a:prstGeom>
         </p:spPr>
         <p:txBody>
-          <a:bodyPr anchorCtr="0" anchor="ctr" bIns="91425" lIns="91425" rIns="91425" tIns="91425">
+          <a:bodyPr lIns="91425" tIns="91425" rIns="91425" bIns="91425" anchor="ctr" anchorCtr="0">
             <a:noAutofit/>
           </a:bodyPr>
           <a:lstStyle/>
@@ -2376,6 +2581,11 @@
               </a:rPr>
               <a:t>‹#›</a:t>
             </a:fld>
+            <a:endParaRPr lang="en">
+              <a:solidFill>
+                <a:schemeClr val="dk2"/>
+              </a:solidFill>
+            </a:endParaRPr>
           </a:p>
         </p:txBody>
       </p:sp>
@@ -2388,18 +2598,19 @@
 </file>
 
 <file path=ppt/slideLayouts/slideLayout2.xml><?xml version="1.0" encoding="utf-8"?>
-<p:sldLayout xmlns:a="http://schemas.openxmlformats.org/drawingml/2006/main" xmlns:r="http://schemas.openxmlformats.org/officeDocument/2006/relationships" xmlns:mc="http://schemas.openxmlformats.org/markup-compatibility/2006" xmlns:mv="urn:schemas-microsoft-com:mac:vml" xmlns:p="http://schemas.openxmlformats.org/presentationml/2006/main" xmlns:c="http://schemas.openxmlformats.org/drawingml/2006/chart" xmlns:dgm="http://schemas.openxmlformats.org/drawingml/2006/diagram" xmlns:o="urn:schemas-microsoft-com:office:office" xmlns:v="urn:schemas-microsoft-com:vml" xmlns:pvml="urn:schemas-microsoft-com:office:powerpoint" xmlns:com="http://schemas.openxmlformats.org/drawingml/2006/compatibility" xmlns:p14="http://schemas.microsoft.com/office/powerpoint/2010/main" xmlns:p15="http://schemas.microsoft.com/office/powerpoint/2012/main" type="secHead">
+<p:sldLayout xmlns:a="http://schemas.openxmlformats.org/drawingml/2006/main" xmlns:r="http://schemas.openxmlformats.org/officeDocument/2006/relationships" xmlns:p="http://schemas.openxmlformats.org/presentationml/2006/main" type="secHead">
   <p:cSld name="Section header">
     <p:bg>
       <p:bgPr>
         <a:solidFill>
           <a:schemeClr val="dk1"/>
         </a:solidFill>
+        <a:effectLst/>
       </p:bgPr>
     </p:bg>
     <p:spTree>
       <p:nvGrpSpPr>
-        <p:cNvPr id="19" name="Shape 19"/>
+        <p:cNvPr id="1" name="Shape 19"/>
         <p:cNvGrpSpPr/>
         <p:nvPr/>
       </p:nvGrpSpPr>
@@ -2447,7 +2658,7 @@
             </a:ln>
           </p:spPr>
           <p:txBody>
-            <a:bodyPr anchorCtr="0" anchor="ctr" bIns="91425" lIns="91425" rIns="91425" tIns="91425">
+            <a:bodyPr lIns="91425" tIns="91425" rIns="91425" bIns="91425" anchor="ctr" anchorCtr="0">
               <a:noAutofit/>
             </a:bodyPr>
             <a:lstStyle/>
@@ -2458,9 +2669,6 @@
                 </a:spcBef>
                 <a:buNone/>
               </a:pPr>
-              <a:r>
-                <a:t/>
-              </a:r>
               <a:endParaRPr/>
             </a:p>
           </p:txBody>
@@ -2487,7 +2695,7 @@
             </a:ln>
           </p:spPr>
           <p:txBody>
-            <a:bodyPr anchorCtr="0" anchor="ctr" bIns="91425" lIns="91425" rIns="91425" tIns="91425">
+            <a:bodyPr lIns="91425" tIns="91425" rIns="91425" bIns="91425" anchor="ctr" anchorCtr="0">
               <a:noAutofit/>
             </a:bodyPr>
             <a:lstStyle/>
@@ -2498,9 +2706,6 @@
                 </a:spcBef>
                 <a:buNone/>
               </a:pPr>
-              <a:r>
-                <a:t/>
-              </a:r>
               <a:endParaRPr/>
             </a:p>
           </p:txBody>
@@ -2512,7 +2717,7 @@
             <p:nvPr/>
           </p:nvSpPr>
           <p:spPr>
-            <a:xfrm flipH="1" rot="10800000">
+            <a:xfrm rot="10800000" flipH="1">
               <a:off x="7113588" y="106"/>
               <a:ext cx="1015200" cy="1015200"/>
             </a:xfrm>
@@ -2527,7 +2732,7 @@
             </a:ln>
           </p:spPr>
           <p:txBody>
-            <a:bodyPr anchorCtr="0" anchor="ctr" bIns="91425" lIns="91425" rIns="91425" tIns="91425">
+            <a:bodyPr lIns="91425" tIns="91425" rIns="91425" bIns="91425" anchor="ctr" anchorCtr="0">
               <a:noAutofit/>
             </a:bodyPr>
             <a:lstStyle/>
@@ -2538,9 +2743,6 @@
                 </a:spcBef>
                 <a:buNone/>
               </a:pPr>
-              <a:r>
-                <a:t/>
-              </a:r>
               <a:endParaRPr/>
             </a:p>
           </p:txBody>
@@ -2567,7 +2769,7 @@
             </a:ln>
           </p:spPr>
           <p:txBody>
-            <a:bodyPr anchorCtr="0" anchor="ctr" bIns="91425" lIns="91425" rIns="91425" tIns="91425">
+            <a:bodyPr lIns="91425" tIns="91425" rIns="91425" bIns="91425" anchor="ctr" anchorCtr="0">
               <a:noAutofit/>
             </a:bodyPr>
             <a:lstStyle/>
@@ -2578,9 +2780,6 @@
                 </a:spcBef>
                 <a:buNone/>
               </a:pPr>
-              <a:r>
-                <a:t/>
-              </a:r>
               <a:endParaRPr/>
             </a:p>
           </p:txBody>
@@ -2607,7 +2806,7 @@
             </a:ln>
           </p:spPr>
           <p:txBody>
-            <a:bodyPr anchorCtr="0" anchor="ctr" bIns="91425" lIns="91425" rIns="91425" tIns="91425">
+            <a:bodyPr lIns="91425" tIns="91425" rIns="91425" bIns="91425" anchor="ctr" anchorCtr="0">
               <a:noAutofit/>
             </a:bodyPr>
             <a:lstStyle/>
@@ -2618,9 +2817,6 @@
                 </a:spcBef>
                 <a:buNone/>
               </a:pPr>
-              <a:r>
-                <a:t/>
-              </a:r>
               <a:endParaRPr/>
             </a:p>
           </p:txBody>
@@ -2629,7 +2825,9 @@
       <p:sp>
         <p:nvSpPr>
           <p:cNvPr id="26" name="Shape 26"/>
-          <p:cNvSpPr txBox="1"/>
+          <p:cNvSpPr txBox="1">
+            <a:spLocks noGrp="1"/>
+          </p:cNvSpPr>
           <p:nvPr>
             <p:ph type="title"/>
           </p:nvPr>
@@ -2644,7 +2842,7 @@
           </a:prstGeom>
         </p:spPr>
         <p:txBody>
-          <a:bodyPr anchorCtr="0" anchor="ctr" bIns="91425" lIns="91425" rIns="91425" tIns="91425"/>
+          <a:bodyPr lIns="91425" tIns="91425" rIns="91425" bIns="91425" anchor="ctr" anchorCtr="0"/>
           <a:lstStyle>
             <a:lvl1pPr lvl="0">
               <a:spcBef>
@@ -2773,15 +2971,19 @@
               </a:defRPr>
             </a:lvl9pPr>
           </a:lstStyle>
-          <a:p/>
+          <a:p>
+            <a:endParaRPr/>
+          </a:p>
         </p:txBody>
       </p:sp>
       <p:sp>
         <p:nvSpPr>
           <p:cNvPr id="27" name="Shape 27"/>
-          <p:cNvSpPr txBox="1"/>
+          <p:cNvSpPr txBox="1">
+            <a:spLocks noGrp="1"/>
+          </p:cNvSpPr>
           <p:nvPr>
-            <p:ph idx="12" type="sldNum"/>
+            <p:ph type="sldNum" idx="12"/>
           </p:nvPr>
         </p:nvSpPr>
         <p:spPr>
@@ -2794,7 +2996,7 @@
           </a:prstGeom>
         </p:spPr>
         <p:txBody>
-          <a:bodyPr anchorCtr="0" anchor="ctr" bIns="91425" lIns="91425" rIns="91425" tIns="91425">
+          <a:bodyPr lIns="91425" tIns="91425" rIns="91425" bIns="91425" anchor="ctr" anchorCtr="0">
             <a:noAutofit/>
           </a:bodyPr>
           <a:lstStyle/>
@@ -2809,6 +3011,7 @@
               <a:rPr lang="en"/>
               <a:t>‹#›</a:t>
             </a:fld>
+            <a:endParaRPr lang="en"/>
           </a:p>
         </p:txBody>
       </p:sp>
@@ -2821,11 +3024,11 @@
 </file>
 
 <file path=ppt/slideLayouts/slideLayout3.xml><?xml version="1.0" encoding="utf-8"?>
-<p:sldLayout xmlns:a="http://schemas.openxmlformats.org/drawingml/2006/main" xmlns:r="http://schemas.openxmlformats.org/officeDocument/2006/relationships" xmlns:mc="http://schemas.openxmlformats.org/markup-compatibility/2006" xmlns:mv="urn:schemas-microsoft-com:mac:vml" xmlns:p="http://schemas.openxmlformats.org/presentationml/2006/main" xmlns:c="http://schemas.openxmlformats.org/drawingml/2006/chart" xmlns:dgm="http://schemas.openxmlformats.org/drawingml/2006/diagram" xmlns:o="urn:schemas-microsoft-com:office:office" xmlns:v="urn:schemas-microsoft-com:vml" xmlns:pvml="urn:schemas-microsoft-com:office:powerpoint" xmlns:com="http://schemas.openxmlformats.org/drawingml/2006/compatibility" xmlns:p14="http://schemas.microsoft.com/office/powerpoint/2010/main" xmlns:p15="http://schemas.microsoft.com/office/powerpoint/2012/main" type="tx">
+<p:sldLayout xmlns:a="http://schemas.openxmlformats.org/drawingml/2006/main" xmlns:r="http://schemas.openxmlformats.org/officeDocument/2006/relationships" xmlns:p="http://schemas.openxmlformats.org/presentationml/2006/main" type="tx">
   <p:cSld name="Title and body">
     <p:spTree>
       <p:nvGrpSpPr>
-        <p:cNvPr id="28" name="Shape 28"/>
+        <p:cNvPr id="1" name="Shape 28"/>
         <p:cNvGrpSpPr/>
         <p:nvPr/>
       </p:nvGrpSpPr>
@@ -2873,7 +3076,7 @@
             </a:ln>
           </p:spPr>
           <p:txBody>
-            <a:bodyPr anchorCtr="0" anchor="ctr" bIns="91425" lIns="91425" rIns="91425" tIns="91425">
+            <a:bodyPr lIns="91425" tIns="91425" rIns="91425" bIns="91425" anchor="ctr" anchorCtr="0">
               <a:noAutofit/>
             </a:bodyPr>
             <a:lstStyle/>
@@ -2884,9 +3087,6 @@
                 </a:spcBef>
                 <a:buNone/>
               </a:pPr>
-              <a:r>
-                <a:t/>
-              </a:r>
               <a:endParaRPr/>
             </a:p>
           </p:txBody>
@@ -2913,7 +3113,7 @@
             </a:ln>
           </p:spPr>
           <p:txBody>
-            <a:bodyPr anchorCtr="0" anchor="ctr" bIns="91425" lIns="91425" rIns="91425" tIns="91425">
+            <a:bodyPr lIns="91425" tIns="91425" rIns="91425" bIns="91425" anchor="ctr" anchorCtr="0">
               <a:noAutofit/>
             </a:bodyPr>
             <a:lstStyle/>
@@ -2924,9 +3124,6 @@
                 </a:spcBef>
                 <a:buNone/>
               </a:pPr>
-              <a:r>
-                <a:t/>
-              </a:r>
               <a:endParaRPr/>
             </a:p>
           </p:txBody>
@@ -2953,7 +3150,7 @@
             </a:ln>
           </p:spPr>
           <p:txBody>
-            <a:bodyPr anchorCtr="0" anchor="ctr" bIns="91425" lIns="91425" rIns="91425" tIns="91425">
+            <a:bodyPr lIns="91425" tIns="91425" rIns="91425" bIns="91425" anchor="ctr" anchorCtr="0">
               <a:noAutofit/>
             </a:bodyPr>
             <a:lstStyle/>
@@ -2964,9 +3161,6 @@
                 </a:spcBef>
                 <a:buNone/>
               </a:pPr>
-              <a:r>
-                <a:t/>
-              </a:r>
               <a:endParaRPr/>
             </a:p>
           </p:txBody>
@@ -2993,7 +3187,7 @@
             </a:ln>
           </p:spPr>
           <p:txBody>
-            <a:bodyPr anchorCtr="0" anchor="ctr" bIns="91425" lIns="91425" rIns="91425" tIns="91425">
+            <a:bodyPr lIns="91425" tIns="91425" rIns="91425" bIns="91425" anchor="ctr" anchorCtr="0">
               <a:noAutofit/>
             </a:bodyPr>
             <a:lstStyle/>
@@ -3004,9 +3198,6 @@
                 </a:spcBef>
                 <a:buNone/>
               </a:pPr>
-              <a:r>
-                <a:t/>
-              </a:r>
               <a:endParaRPr/>
             </a:p>
           </p:txBody>
@@ -3033,7 +3224,7 @@
             </a:ln>
           </p:spPr>
           <p:txBody>
-            <a:bodyPr anchorCtr="0" anchor="ctr" bIns="91425" lIns="91425" rIns="91425" tIns="91425">
+            <a:bodyPr lIns="91425" tIns="91425" rIns="91425" bIns="91425" anchor="ctr" anchorCtr="0">
               <a:noAutofit/>
             </a:bodyPr>
             <a:lstStyle/>
@@ -3044,9 +3235,6 @@
                 </a:spcBef>
                 <a:buNone/>
               </a:pPr>
-              <a:r>
-                <a:t/>
-              </a:r>
               <a:endParaRPr/>
             </a:p>
           </p:txBody>
@@ -3055,7 +3243,9 @@
       <p:sp>
         <p:nvSpPr>
           <p:cNvPr id="35" name="Shape 35"/>
-          <p:cNvSpPr txBox="1"/>
+          <p:cNvSpPr txBox="1">
+            <a:spLocks noGrp="1"/>
+          </p:cNvSpPr>
           <p:nvPr>
             <p:ph type="title"/>
           </p:nvPr>
@@ -3070,7 +3260,7 @@
           </a:prstGeom>
         </p:spPr>
         <p:txBody>
-          <a:bodyPr anchorCtr="0" anchor="t" bIns="91425" lIns="91425" rIns="91425" tIns="91425"/>
+          <a:bodyPr lIns="91425" tIns="91425" rIns="91425" bIns="91425" anchor="t" anchorCtr="0"/>
           <a:lstStyle>
             <a:lvl1pPr lvl="0">
               <a:spcBef>
@@ -3127,15 +3317,19 @@
               <a:defRPr/>
             </a:lvl9pPr>
           </a:lstStyle>
-          <a:p/>
+          <a:p>
+            <a:endParaRPr/>
+          </a:p>
         </p:txBody>
       </p:sp>
       <p:sp>
         <p:nvSpPr>
           <p:cNvPr id="36" name="Shape 36"/>
-          <p:cNvSpPr txBox="1"/>
+          <p:cNvSpPr txBox="1">
+            <a:spLocks noGrp="1"/>
+          </p:cNvSpPr>
           <p:nvPr>
-            <p:ph idx="1" type="body"/>
+            <p:ph type="body" idx="1"/>
           </p:nvPr>
         </p:nvSpPr>
         <p:spPr>
@@ -3148,7 +3342,7 @@
           </a:prstGeom>
         </p:spPr>
         <p:txBody>
-          <a:bodyPr anchorCtr="0" anchor="t" bIns="91425" lIns="91425" rIns="91425" tIns="91425"/>
+          <a:bodyPr lIns="91425" tIns="91425" rIns="91425" bIns="91425" anchor="t" anchorCtr="0"/>
           <a:lstStyle>
             <a:lvl1pPr lvl="0">
               <a:spcBef>
@@ -3205,15 +3399,19 @@
               <a:defRPr/>
             </a:lvl9pPr>
           </a:lstStyle>
-          <a:p/>
+          <a:p>
+            <a:endParaRPr/>
+          </a:p>
         </p:txBody>
       </p:sp>
       <p:sp>
         <p:nvSpPr>
           <p:cNvPr id="37" name="Shape 37"/>
-          <p:cNvSpPr txBox="1"/>
+          <p:cNvSpPr txBox="1">
+            <a:spLocks noGrp="1"/>
+          </p:cNvSpPr>
           <p:nvPr>
-            <p:ph idx="12" type="sldNum"/>
+            <p:ph type="sldNum" idx="12"/>
           </p:nvPr>
         </p:nvSpPr>
         <p:spPr>
@@ -3226,7 +3424,7 @@
           </a:prstGeom>
         </p:spPr>
         <p:txBody>
-          <a:bodyPr anchorCtr="0" anchor="ctr" bIns="91425" lIns="91425" rIns="91425" tIns="91425">
+          <a:bodyPr lIns="91425" tIns="91425" rIns="91425" bIns="91425" anchor="ctr" anchorCtr="0">
             <a:noAutofit/>
           </a:bodyPr>
           <a:lstStyle/>
@@ -3241,6 +3439,7 @@
               <a:rPr lang="en"/>
               <a:t>‹#›</a:t>
             </a:fld>
+            <a:endParaRPr lang="en"/>
           </a:p>
         </p:txBody>
       </p:sp>
@@ -3253,11 +3452,11 @@
 </file>
 
 <file path=ppt/slideLayouts/slideLayout4.xml><?xml version="1.0" encoding="utf-8"?>
-<p:sldLayout xmlns:a="http://schemas.openxmlformats.org/drawingml/2006/main" xmlns:r="http://schemas.openxmlformats.org/officeDocument/2006/relationships" xmlns:mc="http://schemas.openxmlformats.org/markup-compatibility/2006" xmlns:mv="urn:schemas-microsoft-com:mac:vml" xmlns:p="http://schemas.openxmlformats.org/presentationml/2006/main" xmlns:c="http://schemas.openxmlformats.org/drawingml/2006/chart" xmlns:dgm="http://schemas.openxmlformats.org/drawingml/2006/diagram" xmlns:o="urn:schemas-microsoft-com:office:office" xmlns:v="urn:schemas-microsoft-com:vml" xmlns:pvml="urn:schemas-microsoft-com:office:powerpoint" xmlns:com="http://schemas.openxmlformats.org/drawingml/2006/compatibility" xmlns:p14="http://schemas.microsoft.com/office/powerpoint/2010/main" xmlns:p15="http://schemas.microsoft.com/office/powerpoint/2012/main" type="twoColTx">
+<p:sldLayout xmlns:a="http://schemas.openxmlformats.org/drawingml/2006/main" xmlns:r="http://schemas.openxmlformats.org/officeDocument/2006/relationships" xmlns:p="http://schemas.openxmlformats.org/presentationml/2006/main" type="twoColTx">
   <p:cSld name="Title and two columns">
     <p:spTree>
       <p:nvGrpSpPr>
-        <p:cNvPr id="38" name="Shape 38"/>
+        <p:cNvPr id="1" name="Shape 38"/>
         <p:cNvGrpSpPr/>
         <p:nvPr/>
       </p:nvGrpSpPr>
@@ -3272,7 +3471,9 @@
       <p:sp>
         <p:nvSpPr>
           <p:cNvPr id="39" name="Shape 39"/>
-          <p:cNvSpPr txBox="1"/>
+          <p:cNvSpPr txBox="1">
+            <a:spLocks noGrp="1"/>
+          </p:cNvSpPr>
           <p:nvPr>
             <p:ph type="title"/>
           </p:nvPr>
@@ -3287,7 +3488,7 @@
           </a:prstGeom>
         </p:spPr>
         <p:txBody>
-          <a:bodyPr anchorCtr="0" anchor="t" bIns="91425" lIns="91425" rIns="91425" tIns="91425"/>
+          <a:bodyPr lIns="91425" tIns="91425" rIns="91425" bIns="91425" anchor="t" anchorCtr="0"/>
           <a:lstStyle>
             <a:lvl1pPr lvl="0">
               <a:spcBef>
@@ -3344,15 +3545,19 @@
               <a:defRPr/>
             </a:lvl9pPr>
           </a:lstStyle>
-          <a:p/>
+          <a:p>
+            <a:endParaRPr/>
+          </a:p>
         </p:txBody>
       </p:sp>
       <p:sp>
         <p:nvSpPr>
           <p:cNvPr id="40" name="Shape 40"/>
-          <p:cNvSpPr txBox="1"/>
+          <p:cNvSpPr txBox="1">
+            <a:spLocks noGrp="1"/>
+          </p:cNvSpPr>
           <p:nvPr>
-            <p:ph idx="1" type="body"/>
+            <p:ph type="body" idx="1"/>
           </p:nvPr>
         </p:nvSpPr>
         <p:spPr>
@@ -3365,7 +3570,7 @@
           </a:prstGeom>
         </p:spPr>
         <p:txBody>
-          <a:bodyPr anchorCtr="0" anchor="t" bIns="91425" lIns="91425" rIns="91425" tIns="91425"/>
+          <a:bodyPr lIns="91425" tIns="91425" rIns="91425" bIns="91425" anchor="t" anchorCtr="0"/>
           <a:lstStyle>
             <a:lvl1pPr lvl="0">
               <a:spcBef>
@@ -3431,15 +3636,19 @@
               <a:defRPr sz="1200"/>
             </a:lvl9pPr>
           </a:lstStyle>
-          <a:p/>
+          <a:p>
+            <a:endParaRPr/>
+          </a:p>
         </p:txBody>
       </p:sp>
       <p:sp>
         <p:nvSpPr>
           <p:cNvPr id="41" name="Shape 41"/>
-          <p:cNvSpPr txBox="1"/>
+          <p:cNvSpPr txBox="1">
+            <a:spLocks noGrp="1"/>
+          </p:cNvSpPr>
           <p:nvPr>
-            <p:ph idx="2" type="body"/>
+            <p:ph type="body" idx="2"/>
           </p:nvPr>
         </p:nvSpPr>
         <p:spPr>
@@ -3452,7 +3661,7 @@
           </a:prstGeom>
         </p:spPr>
         <p:txBody>
-          <a:bodyPr anchorCtr="0" anchor="t" bIns="91425" lIns="91425" rIns="91425" tIns="91425"/>
+          <a:bodyPr lIns="91425" tIns="91425" rIns="91425" bIns="91425" anchor="t" anchorCtr="0"/>
           <a:lstStyle>
             <a:lvl1pPr lvl="0">
               <a:spcBef>
@@ -3518,15 +3727,19 @@
               <a:defRPr sz="1200"/>
             </a:lvl9pPr>
           </a:lstStyle>
-          <a:p/>
+          <a:p>
+            <a:endParaRPr/>
+          </a:p>
         </p:txBody>
       </p:sp>
       <p:sp>
         <p:nvSpPr>
           <p:cNvPr id="42" name="Shape 42"/>
-          <p:cNvSpPr txBox="1"/>
+          <p:cNvSpPr txBox="1">
+            <a:spLocks noGrp="1"/>
+          </p:cNvSpPr>
           <p:nvPr>
-            <p:ph idx="12" type="sldNum"/>
+            <p:ph type="sldNum" idx="12"/>
           </p:nvPr>
         </p:nvSpPr>
         <p:spPr>
@@ -3539,7 +3752,7 @@
           </a:prstGeom>
         </p:spPr>
         <p:txBody>
-          <a:bodyPr anchorCtr="0" anchor="ctr" bIns="91425" lIns="91425" rIns="91425" tIns="91425">
+          <a:bodyPr lIns="91425" tIns="91425" rIns="91425" bIns="91425" anchor="ctr" anchorCtr="0">
             <a:noAutofit/>
           </a:bodyPr>
           <a:lstStyle/>
@@ -3558,6 +3771,11 @@
               </a:rPr>
               <a:t>‹#›</a:t>
             </a:fld>
+            <a:endParaRPr lang="en">
+              <a:solidFill>
+                <a:schemeClr val="dk2"/>
+              </a:solidFill>
+            </a:endParaRPr>
           </a:p>
         </p:txBody>
       </p:sp>
@@ -3570,11 +3788,11 @@
 </file>
 
 <file path=ppt/slideLayouts/slideLayout5.xml><?xml version="1.0" encoding="utf-8"?>
-<p:sldLayout xmlns:a="http://schemas.openxmlformats.org/drawingml/2006/main" xmlns:r="http://schemas.openxmlformats.org/officeDocument/2006/relationships" xmlns:mc="http://schemas.openxmlformats.org/markup-compatibility/2006" xmlns:mv="urn:schemas-microsoft-com:mac:vml" xmlns:p="http://schemas.openxmlformats.org/presentationml/2006/main" xmlns:c="http://schemas.openxmlformats.org/drawingml/2006/chart" xmlns:dgm="http://schemas.openxmlformats.org/drawingml/2006/diagram" xmlns:o="urn:schemas-microsoft-com:office:office" xmlns:v="urn:schemas-microsoft-com:vml" xmlns:pvml="urn:schemas-microsoft-com:office:powerpoint" xmlns:com="http://schemas.openxmlformats.org/drawingml/2006/compatibility" xmlns:p14="http://schemas.microsoft.com/office/powerpoint/2010/main" xmlns:p15="http://schemas.microsoft.com/office/powerpoint/2012/main" type="titleOnly">
+<p:sldLayout xmlns:a="http://schemas.openxmlformats.org/drawingml/2006/main" xmlns:r="http://schemas.openxmlformats.org/officeDocument/2006/relationships" xmlns:p="http://schemas.openxmlformats.org/presentationml/2006/main" type="titleOnly">
   <p:cSld name="Title only">
     <p:spTree>
       <p:nvGrpSpPr>
-        <p:cNvPr id="43" name="Shape 43"/>
+        <p:cNvPr id="1" name="Shape 43"/>
         <p:cNvGrpSpPr/>
         <p:nvPr/>
       </p:nvGrpSpPr>
@@ -3589,7 +3807,9 @@
       <p:sp>
         <p:nvSpPr>
           <p:cNvPr id="44" name="Shape 44"/>
-          <p:cNvSpPr txBox="1"/>
+          <p:cNvSpPr txBox="1">
+            <a:spLocks noGrp="1"/>
+          </p:cNvSpPr>
           <p:nvPr>
             <p:ph type="title"/>
           </p:nvPr>
@@ -3604,7 +3824,7 @@
           </a:prstGeom>
         </p:spPr>
         <p:txBody>
-          <a:bodyPr anchorCtr="0" anchor="t" bIns="91425" lIns="91425" rIns="91425" tIns="91425"/>
+          <a:bodyPr lIns="91425" tIns="91425" rIns="91425" bIns="91425" anchor="t" anchorCtr="0"/>
           <a:lstStyle>
             <a:lvl1pPr lvl="0">
               <a:spcBef>
@@ -3661,15 +3881,19 @@
               <a:defRPr/>
             </a:lvl9pPr>
           </a:lstStyle>
-          <a:p/>
+          <a:p>
+            <a:endParaRPr/>
+          </a:p>
         </p:txBody>
       </p:sp>
       <p:sp>
         <p:nvSpPr>
           <p:cNvPr id="45" name="Shape 45"/>
-          <p:cNvSpPr txBox="1"/>
+          <p:cNvSpPr txBox="1">
+            <a:spLocks noGrp="1"/>
+          </p:cNvSpPr>
           <p:nvPr>
-            <p:ph idx="12" type="sldNum"/>
+            <p:ph type="sldNum" idx="12"/>
           </p:nvPr>
         </p:nvSpPr>
         <p:spPr>
@@ -3682,7 +3906,7 @@
           </a:prstGeom>
         </p:spPr>
         <p:txBody>
-          <a:bodyPr anchorCtr="0" anchor="ctr" bIns="91425" lIns="91425" rIns="91425" tIns="91425">
+          <a:bodyPr lIns="91425" tIns="91425" rIns="91425" bIns="91425" anchor="ctr" anchorCtr="0">
             <a:noAutofit/>
           </a:bodyPr>
           <a:lstStyle/>
@@ -3701,6 +3925,11 @@
               </a:rPr>
               <a:t>‹#›</a:t>
             </a:fld>
+            <a:endParaRPr lang="en">
+              <a:solidFill>
+                <a:schemeClr val="dk2"/>
+              </a:solidFill>
+            </a:endParaRPr>
           </a:p>
         </p:txBody>
       </p:sp>
@@ -3713,11 +3942,11 @@
 </file>
 
 <file path=ppt/slideLayouts/slideLayout6.xml><?xml version="1.0" encoding="utf-8"?>
-<p:sldLayout xmlns:a="http://schemas.openxmlformats.org/drawingml/2006/main" xmlns:r="http://schemas.openxmlformats.org/officeDocument/2006/relationships" xmlns:mc="http://schemas.openxmlformats.org/markup-compatibility/2006" xmlns:mv="urn:schemas-microsoft-com:mac:vml" xmlns:p="http://schemas.openxmlformats.org/presentationml/2006/main" xmlns:c="http://schemas.openxmlformats.org/drawingml/2006/chart" xmlns:dgm="http://schemas.openxmlformats.org/drawingml/2006/diagram" xmlns:o="urn:schemas-microsoft-com:office:office" xmlns:v="urn:schemas-microsoft-com:vml" xmlns:pvml="urn:schemas-microsoft-com:office:powerpoint" xmlns:com="http://schemas.openxmlformats.org/drawingml/2006/compatibility" xmlns:p14="http://schemas.microsoft.com/office/powerpoint/2010/main" xmlns:p15="http://schemas.microsoft.com/office/powerpoint/2012/main">
+<p:sldLayout xmlns:a="http://schemas.openxmlformats.org/drawingml/2006/main" xmlns:r="http://schemas.openxmlformats.org/officeDocument/2006/relationships" xmlns:p="http://schemas.openxmlformats.org/presentationml/2006/main">
   <p:cSld name="One column text">
     <p:spTree>
       <p:nvGrpSpPr>
-        <p:cNvPr id="46" name="Shape 46"/>
+        <p:cNvPr id="1" name="Shape 46"/>
         <p:cNvGrpSpPr/>
         <p:nvPr/>
       </p:nvGrpSpPr>
@@ -3732,7 +3961,9 @@
       <p:sp>
         <p:nvSpPr>
           <p:cNvPr id="47" name="Shape 47"/>
-          <p:cNvSpPr txBox="1"/>
+          <p:cNvSpPr txBox="1">
+            <a:spLocks noGrp="1"/>
+          </p:cNvSpPr>
           <p:nvPr>
             <p:ph type="title"/>
           </p:nvPr>
@@ -3747,7 +3978,7 @@
           </a:prstGeom>
         </p:spPr>
         <p:txBody>
-          <a:bodyPr anchorCtr="0" anchor="b" bIns="91425" lIns="91425" rIns="91425" tIns="91425"/>
+          <a:bodyPr lIns="91425" tIns="91425" rIns="91425" bIns="91425" anchor="b" anchorCtr="0"/>
           <a:lstStyle>
             <a:lvl1pPr lvl="0">
               <a:spcBef>
@@ -3813,15 +4044,19 @@
               <a:defRPr sz="2400"/>
             </a:lvl9pPr>
           </a:lstStyle>
-          <a:p/>
+          <a:p>
+            <a:endParaRPr/>
+          </a:p>
         </p:txBody>
       </p:sp>
       <p:sp>
         <p:nvSpPr>
           <p:cNvPr id="48" name="Shape 48"/>
-          <p:cNvSpPr txBox="1"/>
+          <p:cNvSpPr txBox="1">
+            <a:spLocks noGrp="1"/>
+          </p:cNvSpPr>
           <p:nvPr>
-            <p:ph idx="1" type="body"/>
+            <p:ph type="body" idx="1"/>
           </p:nvPr>
         </p:nvSpPr>
         <p:spPr>
@@ -3834,7 +4069,7 @@
           </a:prstGeom>
         </p:spPr>
         <p:txBody>
-          <a:bodyPr anchorCtr="0" anchor="t" bIns="91425" lIns="91425" rIns="91425" tIns="91425"/>
+          <a:bodyPr lIns="91425" tIns="91425" rIns="91425" bIns="91425" anchor="t" anchorCtr="0"/>
           <a:lstStyle>
             <a:lvl1pPr lvl="0">
               <a:spcBef>
@@ -3900,15 +4135,19 @@
               <a:defRPr sz="1200"/>
             </a:lvl9pPr>
           </a:lstStyle>
-          <a:p/>
+          <a:p>
+            <a:endParaRPr/>
+          </a:p>
         </p:txBody>
       </p:sp>
       <p:sp>
         <p:nvSpPr>
           <p:cNvPr id="49" name="Shape 49"/>
-          <p:cNvSpPr txBox="1"/>
+          <p:cNvSpPr txBox="1">
+            <a:spLocks noGrp="1"/>
+          </p:cNvSpPr>
           <p:nvPr>
-            <p:ph idx="12" type="sldNum"/>
+            <p:ph type="sldNum" idx="12"/>
           </p:nvPr>
         </p:nvSpPr>
         <p:spPr>
@@ -3921,7 +4160,7 @@
           </a:prstGeom>
         </p:spPr>
         <p:txBody>
-          <a:bodyPr anchorCtr="0" anchor="ctr" bIns="91425" lIns="91425" rIns="91425" tIns="91425">
+          <a:bodyPr lIns="91425" tIns="91425" rIns="91425" bIns="91425" anchor="ctr" anchorCtr="0">
             <a:noAutofit/>
           </a:bodyPr>
           <a:lstStyle/>
@@ -3940,6 +4179,11 @@
               </a:rPr>
               <a:t>‹#›</a:t>
             </a:fld>
+            <a:endParaRPr lang="en">
+              <a:solidFill>
+                <a:schemeClr val="dk2"/>
+              </a:solidFill>
+            </a:endParaRPr>
           </a:p>
         </p:txBody>
       </p:sp>
@@ -3952,18 +4196,19 @@
 </file>
 
 <file path=ppt/slideLayouts/slideLayout7.xml><?xml version="1.0" encoding="utf-8"?>
-<p:sldLayout xmlns:a="http://schemas.openxmlformats.org/drawingml/2006/main" xmlns:r="http://schemas.openxmlformats.org/officeDocument/2006/relationships" xmlns:mc="http://schemas.openxmlformats.org/markup-compatibility/2006" xmlns:mv="urn:schemas-microsoft-com:mac:vml" xmlns:p="http://schemas.openxmlformats.org/presentationml/2006/main" xmlns:c="http://schemas.openxmlformats.org/drawingml/2006/chart" xmlns:dgm="http://schemas.openxmlformats.org/drawingml/2006/diagram" xmlns:o="urn:schemas-microsoft-com:office:office" xmlns:v="urn:schemas-microsoft-com:vml" xmlns:pvml="urn:schemas-microsoft-com:office:powerpoint" xmlns:com="http://schemas.openxmlformats.org/drawingml/2006/compatibility" xmlns:p14="http://schemas.microsoft.com/office/powerpoint/2010/main" xmlns:p15="http://schemas.microsoft.com/office/powerpoint/2012/main">
+<p:sldLayout xmlns:a="http://schemas.openxmlformats.org/drawingml/2006/main" xmlns:r="http://schemas.openxmlformats.org/officeDocument/2006/relationships" xmlns:p="http://schemas.openxmlformats.org/presentationml/2006/main">
   <p:cSld name="Main point">
     <p:bg>
       <p:bgPr>
         <a:solidFill>
           <a:schemeClr val="accent4"/>
         </a:solidFill>
+        <a:effectLst/>
       </p:bgPr>
     </p:bg>
     <p:spTree>
       <p:nvGrpSpPr>
-        <p:cNvPr id="50" name="Shape 50"/>
+        <p:cNvPr id="1" name="Shape 50"/>
         <p:cNvGrpSpPr/>
         <p:nvPr/>
       </p:nvGrpSpPr>
@@ -4011,7 +4256,7 @@
             </a:ln>
           </p:spPr>
           <p:txBody>
-            <a:bodyPr anchorCtr="0" anchor="ctr" bIns="91425" lIns="91425" rIns="91425" tIns="91425">
+            <a:bodyPr lIns="91425" tIns="91425" rIns="91425" bIns="91425" anchor="ctr" anchorCtr="0">
               <a:noAutofit/>
             </a:bodyPr>
             <a:lstStyle/>
@@ -4022,9 +4267,6 @@
                 </a:spcBef>
                 <a:buNone/>
               </a:pPr>
-              <a:r>
-                <a:t/>
-              </a:r>
               <a:endParaRPr/>
             </a:p>
           </p:txBody>
@@ -4051,7 +4293,7 @@
             </a:ln>
           </p:spPr>
           <p:txBody>
-            <a:bodyPr anchorCtr="0" anchor="ctr" bIns="91425" lIns="91425" rIns="91425" tIns="91425">
+            <a:bodyPr lIns="91425" tIns="91425" rIns="91425" bIns="91425" anchor="ctr" anchorCtr="0">
               <a:noAutofit/>
             </a:bodyPr>
             <a:lstStyle/>
@@ -4062,9 +4304,6 @@
                 </a:spcBef>
                 <a:buNone/>
               </a:pPr>
-              <a:r>
-                <a:t/>
-              </a:r>
               <a:endParaRPr/>
             </a:p>
           </p:txBody>
@@ -4076,7 +4315,7 @@
             <p:nvPr/>
           </p:nvSpPr>
           <p:spPr>
-            <a:xfrm flipH="1" rot="10800000">
+            <a:xfrm rot="10800000" flipH="1">
               <a:off x="7113588" y="106"/>
               <a:ext cx="1015200" cy="1015200"/>
             </a:xfrm>
@@ -4091,7 +4330,7 @@
             </a:ln>
           </p:spPr>
           <p:txBody>
-            <a:bodyPr anchorCtr="0" anchor="ctr" bIns="91425" lIns="91425" rIns="91425" tIns="91425">
+            <a:bodyPr lIns="91425" tIns="91425" rIns="91425" bIns="91425" anchor="ctr" anchorCtr="0">
               <a:noAutofit/>
             </a:bodyPr>
             <a:lstStyle/>
@@ -4102,9 +4341,6 @@
                 </a:spcBef>
                 <a:buNone/>
               </a:pPr>
-              <a:r>
-                <a:t/>
-              </a:r>
               <a:endParaRPr/>
             </a:p>
           </p:txBody>
@@ -4131,7 +4367,7 @@
             </a:ln>
           </p:spPr>
           <p:txBody>
-            <a:bodyPr anchorCtr="0" anchor="ctr" bIns="91425" lIns="91425" rIns="91425" tIns="91425">
+            <a:bodyPr lIns="91425" tIns="91425" rIns="91425" bIns="91425" anchor="ctr" anchorCtr="0">
               <a:noAutofit/>
             </a:bodyPr>
             <a:lstStyle/>
@@ -4142,9 +4378,6 @@
                 </a:spcBef>
                 <a:buNone/>
               </a:pPr>
-              <a:r>
-                <a:t/>
-              </a:r>
               <a:endParaRPr/>
             </a:p>
           </p:txBody>
@@ -4171,7 +4404,7 @@
             </a:ln>
           </p:spPr>
           <p:txBody>
-            <a:bodyPr anchorCtr="0" anchor="ctr" bIns="91425" lIns="91425" rIns="91425" tIns="91425">
+            <a:bodyPr lIns="91425" tIns="91425" rIns="91425" bIns="91425" anchor="ctr" anchorCtr="0">
               <a:noAutofit/>
             </a:bodyPr>
             <a:lstStyle/>
@@ -4182,9 +4415,6 @@
                 </a:spcBef>
                 <a:buNone/>
               </a:pPr>
-              <a:r>
-                <a:t/>
-              </a:r>
               <a:endParaRPr/>
             </a:p>
           </p:txBody>
@@ -4193,7 +4423,9 @@
       <p:sp>
         <p:nvSpPr>
           <p:cNvPr id="57" name="Shape 57"/>
-          <p:cNvSpPr txBox="1"/>
+          <p:cNvSpPr txBox="1">
+            <a:spLocks noGrp="1"/>
+          </p:cNvSpPr>
           <p:nvPr>
             <p:ph type="title"/>
           </p:nvPr>
@@ -4208,7 +4440,7 @@
           </a:prstGeom>
         </p:spPr>
         <p:txBody>
-          <a:bodyPr anchorCtr="0" anchor="ctr" bIns="91425" lIns="91425" rIns="91425" tIns="91425"/>
+          <a:bodyPr lIns="91425" tIns="91425" rIns="91425" bIns="91425" anchor="ctr" anchorCtr="0"/>
           <a:lstStyle>
             <a:lvl1pPr lvl="0">
               <a:spcBef>
@@ -4337,15 +4569,19 @@
               </a:defRPr>
             </a:lvl9pPr>
           </a:lstStyle>
-          <a:p/>
+          <a:p>
+            <a:endParaRPr/>
+          </a:p>
         </p:txBody>
       </p:sp>
       <p:sp>
         <p:nvSpPr>
           <p:cNvPr id="58" name="Shape 58"/>
-          <p:cNvSpPr txBox="1"/>
+          <p:cNvSpPr txBox="1">
+            <a:spLocks noGrp="1"/>
+          </p:cNvSpPr>
           <p:nvPr>
-            <p:ph idx="12" type="sldNum"/>
+            <p:ph type="sldNum" idx="12"/>
           </p:nvPr>
         </p:nvSpPr>
         <p:spPr>
@@ -4358,7 +4594,7 @@
           </a:prstGeom>
         </p:spPr>
         <p:txBody>
-          <a:bodyPr anchorCtr="0" anchor="ctr" bIns="91425" lIns="91425" rIns="91425" tIns="91425">
+          <a:bodyPr lIns="91425" tIns="91425" rIns="91425" bIns="91425" anchor="ctr" anchorCtr="0">
             <a:noAutofit/>
           </a:bodyPr>
           <a:lstStyle/>
@@ -4373,6 +4609,7 @@
               <a:rPr lang="en"/>
               <a:t>‹#›</a:t>
             </a:fld>
+            <a:endParaRPr lang="en"/>
           </a:p>
         </p:txBody>
       </p:sp>
@@ -4385,11 +4622,11 @@
 </file>
 
 <file path=ppt/slideLayouts/slideLayout8.xml><?xml version="1.0" encoding="utf-8"?>
-<p:sldLayout xmlns:a="http://schemas.openxmlformats.org/drawingml/2006/main" xmlns:r="http://schemas.openxmlformats.org/officeDocument/2006/relationships" xmlns:mc="http://schemas.openxmlformats.org/markup-compatibility/2006" xmlns:mv="urn:schemas-microsoft-com:mac:vml" xmlns:p="http://schemas.openxmlformats.org/presentationml/2006/main" xmlns:c="http://schemas.openxmlformats.org/drawingml/2006/chart" xmlns:dgm="http://schemas.openxmlformats.org/drawingml/2006/diagram" xmlns:o="urn:schemas-microsoft-com:office:office" xmlns:v="urn:schemas-microsoft-com:vml" xmlns:pvml="urn:schemas-microsoft-com:office:powerpoint" xmlns:com="http://schemas.openxmlformats.org/drawingml/2006/compatibility" xmlns:p14="http://schemas.microsoft.com/office/powerpoint/2010/main" xmlns:p15="http://schemas.microsoft.com/office/powerpoint/2012/main">
+<p:sldLayout xmlns:a="http://schemas.openxmlformats.org/drawingml/2006/main" xmlns:r="http://schemas.openxmlformats.org/officeDocument/2006/relationships" xmlns:p="http://schemas.openxmlformats.org/presentationml/2006/main">
   <p:cSld name="Section title and description">
     <p:spTree>
       <p:nvGrpSpPr>
-        <p:cNvPr id="59" name="Shape 59"/>
+        <p:cNvPr id="1" name="Shape 59"/>
         <p:cNvGrpSpPr/>
         <p:nvPr/>
       </p:nvGrpSpPr>
@@ -4423,7 +4660,7 @@
           </a:ln>
         </p:spPr>
         <p:txBody>
-          <a:bodyPr anchorCtr="0" anchor="ctr" bIns="91425" lIns="91425" rIns="91425" tIns="91425">
+          <a:bodyPr lIns="91425" tIns="91425" rIns="91425" bIns="91425" anchor="ctr" anchorCtr="0">
             <a:noAutofit/>
           </a:bodyPr>
           <a:lstStyle/>
@@ -4434,9 +4671,6 @@
               </a:spcBef>
               <a:buNone/>
             </a:pPr>
-            <a:r>
-              <a:t/>
-            </a:r>
             <a:endParaRPr/>
           </a:p>
         </p:txBody>
@@ -4456,21 +4690,23 @@
             <a:avLst/>
           </a:prstGeom>
           <a:noFill/>
-          <a:ln cap="flat" cmpd="sng" w="19050">
+          <a:ln w="19050" cap="flat" cmpd="sng">
             <a:solidFill>
               <a:schemeClr val="lt1"/>
             </a:solidFill>
             <a:prstDash val="solid"/>
             <a:round/>
-            <a:headEnd len="med" w="med" type="none"/>
-            <a:tailEnd len="med" w="med" type="none"/>
+            <a:headEnd type="none" w="med" len="med"/>
+            <a:tailEnd type="none" w="med" len="med"/>
           </a:ln>
         </p:spPr>
       </p:cxnSp>
       <p:sp>
         <p:nvSpPr>
           <p:cNvPr id="62" name="Shape 62"/>
-          <p:cNvSpPr txBox="1"/>
+          <p:cNvSpPr txBox="1">
+            <a:spLocks noGrp="1"/>
+          </p:cNvSpPr>
           <p:nvPr>
             <p:ph type="title"/>
           </p:nvPr>
@@ -4485,7 +4721,7 @@
           </a:prstGeom>
         </p:spPr>
         <p:txBody>
-          <a:bodyPr anchorCtr="0" anchor="b" bIns="91425" lIns="91425" rIns="91425" tIns="91425"/>
+          <a:bodyPr lIns="91425" tIns="91425" rIns="91425" bIns="91425" anchor="b" anchorCtr="0"/>
           <a:lstStyle>
             <a:lvl1pPr lvl="0" algn="ctr">
               <a:spcBef>
@@ -4551,15 +4787,19 @@
               <a:defRPr sz="4200"/>
             </a:lvl9pPr>
           </a:lstStyle>
-          <a:p/>
+          <a:p>
+            <a:endParaRPr/>
+          </a:p>
         </p:txBody>
       </p:sp>
       <p:sp>
         <p:nvSpPr>
           <p:cNvPr id="63" name="Shape 63"/>
-          <p:cNvSpPr txBox="1"/>
+          <p:cNvSpPr txBox="1">
+            <a:spLocks noGrp="1"/>
+          </p:cNvSpPr>
           <p:nvPr>
-            <p:ph idx="1" type="subTitle"/>
+            <p:ph type="subTitle" idx="1"/>
           </p:nvPr>
         </p:nvSpPr>
         <p:spPr>
@@ -4572,7 +4812,7 @@
           </a:prstGeom>
         </p:spPr>
         <p:txBody>
-          <a:bodyPr anchorCtr="0" anchor="t" bIns="91425" lIns="91425" rIns="91425" tIns="91425"/>
+          <a:bodyPr lIns="91425" tIns="91425" rIns="91425" bIns="91425" anchor="t" anchorCtr="0"/>
           <a:lstStyle>
             <a:lvl1pPr lvl="0" algn="ctr">
               <a:lnSpc>
@@ -4701,15 +4941,19 @@
               <a:defRPr sz="2100"/>
             </a:lvl9pPr>
           </a:lstStyle>
-          <a:p/>
+          <a:p>
+            <a:endParaRPr/>
+          </a:p>
         </p:txBody>
       </p:sp>
       <p:sp>
         <p:nvSpPr>
           <p:cNvPr id="64" name="Shape 64"/>
-          <p:cNvSpPr txBox="1"/>
+          <p:cNvSpPr txBox="1">
+            <a:spLocks noGrp="1"/>
+          </p:cNvSpPr>
           <p:nvPr>
-            <p:ph idx="2" type="body"/>
+            <p:ph type="body" idx="2"/>
           </p:nvPr>
         </p:nvSpPr>
         <p:spPr>
@@ -4722,7 +4966,7 @@
           </a:prstGeom>
         </p:spPr>
         <p:txBody>
-          <a:bodyPr anchorCtr="0" anchor="ctr" bIns="91425" lIns="91425" rIns="91425" tIns="91425"/>
+          <a:bodyPr lIns="91425" tIns="91425" rIns="91425" bIns="91425" anchor="ctr" anchorCtr="0"/>
           <a:lstStyle>
             <a:lvl1pPr lvl="0">
               <a:spcBef>
@@ -4842,15 +5086,19 @@
               </a:defRPr>
             </a:lvl9pPr>
           </a:lstStyle>
-          <a:p/>
+          <a:p>
+            <a:endParaRPr/>
+          </a:p>
         </p:txBody>
       </p:sp>
       <p:sp>
         <p:nvSpPr>
           <p:cNvPr id="65" name="Shape 65"/>
-          <p:cNvSpPr txBox="1"/>
+          <p:cNvSpPr txBox="1">
+            <a:spLocks noGrp="1"/>
+          </p:cNvSpPr>
           <p:nvPr>
-            <p:ph idx="12" type="sldNum"/>
+            <p:ph type="sldNum" idx="12"/>
           </p:nvPr>
         </p:nvSpPr>
         <p:spPr>
@@ -4863,7 +5111,7 @@
           </a:prstGeom>
         </p:spPr>
         <p:txBody>
-          <a:bodyPr anchorCtr="0" anchor="ctr" bIns="91425" lIns="91425" rIns="91425" tIns="91425">
+          <a:bodyPr lIns="91425" tIns="91425" rIns="91425" bIns="91425" anchor="ctr" anchorCtr="0">
             <a:noAutofit/>
           </a:bodyPr>
           <a:lstStyle/>
@@ -4878,6 +5126,7 @@
               <a:rPr lang="en"/>
               <a:t>‹#›</a:t>
             </a:fld>
+            <a:endParaRPr lang="en"/>
           </a:p>
         </p:txBody>
       </p:sp>
@@ -4890,11 +5139,11 @@
 </file>
 
 <file path=ppt/slideLayouts/slideLayout9.xml><?xml version="1.0" encoding="utf-8"?>
-<p:sldLayout xmlns:a="http://schemas.openxmlformats.org/drawingml/2006/main" xmlns:r="http://schemas.openxmlformats.org/officeDocument/2006/relationships" xmlns:mc="http://schemas.openxmlformats.org/markup-compatibility/2006" xmlns:mv="urn:schemas-microsoft-com:mac:vml" xmlns:p="http://schemas.openxmlformats.org/presentationml/2006/main" xmlns:c="http://schemas.openxmlformats.org/drawingml/2006/chart" xmlns:dgm="http://schemas.openxmlformats.org/drawingml/2006/diagram" xmlns:o="urn:schemas-microsoft-com:office:office" xmlns:v="urn:schemas-microsoft-com:vml" xmlns:pvml="urn:schemas-microsoft-com:office:powerpoint" xmlns:com="http://schemas.openxmlformats.org/drawingml/2006/compatibility" xmlns:p14="http://schemas.microsoft.com/office/powerpoint/2010/main" xmlns:p15="http://schemas.microsoft.com/office/powerpoint/2012/main">
+<p:sldLayout xmlns:a="http://schemas.openxmlformats.org/drawingml/2006/main" xmlns:r="http://schemas.openxmlformats.org/officeDocument/2006/relationships" xmlns:p="http://schemas.openxmlformats.org/presentationml/2006/main">
   <p:cSld name="Caption">
     <p:spTree>
       <p:nvGrpSpPr>
-        <p:cNvPr id="66" name="Shape 66"/>
+        <p:cNvPr id="1" name="Shape 66"/>
         <p:cNvGrpSpPr/>
         <p:nvPr/>
       </p:nvGrpSpPr>
@@ -4909,9 +5158,11 @@
       <p:sp>
         <p:nvSpPr>
           <p:cNvPr id="67" name="Shape 67"/>
-          <p:cNvSpPr txBox="1"/>
+          <p:cNvSpPr txBox="1">
+            <a:spLocks noGrp="1"/>
+          </p:cNvSpPr>
           <p:nvPr>
-            <p:ph idx="1" type="body"/>
+            <p:ph type="body" idx="1"/>
           </p:nvPr>
         </p:nvSpPr>
         <p:spPr>
@@ -4924,7 +5175,7 @@
           </a:prstGeom>
         </p:spPr>
         <p:txBody>
-          <a:bodyPr anchorCtr="0" anchor="ctr" bIns="91425" lIns="91425" rIns="91425" tIns="91425"/>
+          <a:bodyPr lIns="91425" tIns="91425" rIns="91425" bIns="91425" anchor="ctr" anchorCtr="0"/>
           <a:lstStyle>
             <a:lvl1pPr lvl="0">
               <a:lnSpc>
@@ -4940,15 +5191,19 @@
               <a:defRPr/>
             </a:lvl1pPr>
           </a:lstStyle>
-          <a:p/>
+          <a:p>
+            <a:endParaRPr/>
+          </a:p>
         </p:txBody>
       </p:sp>
       <p:sp>
         <p:nvSpPr>
           <p:cNvPr id="68" name="Shape 68"/>
-          <p:cNvSpPr txBox="1"/>
+          <p:cNvSpPr txBox="1">
+            <a:spLocks noGrp="1"/>
+          </p:cNvSpPr>
           <p:nvPr>
-            <p:ph idx="12" type="sldNum"/>
+            <p:ph type="sldNum" idx="12"/>
           </p:nvPr>
         </p:nvSpPr>
         <p:spPr>
@@ -4961,7 +5216,7 @@
           </a:prstGeom>
         </p:spPr>
         <p:txBody>
-          <a:bodyPr anchorCtr="0" anchor="ctr" bIns="91425" lIns="91425" rIns="91425" tIns="91425">
+          <a:bodyPr lIns="91425" tIns="91425" rIns="91425" bIns="91425" anchor="ctr" anchorCtr="0">
             <a:noAutofit/>
           </a:bodyPr>
           <a:lstStyle/>
@@ -4980,6 +5235,11 @@
               </a:rPr>
               <a:t>‹#›</a:t>
             </a:fld>
+            <a:endParaRPr lang="en">
+              <a:solidFill>
+                <a:schemeClr val="dk2"/>
+              </a:solidFill>
+            </a:endParaRPr>
           </a:p>
         </p:txBody>
       </p:sp>
@@ -4992,18 +5252,19 @@
 </file>
 
 <file path=ppt/slideMasters/slideMaster1.xml><?xml version="1.0" encoding="utf-8"?>
-<p:sldMaster xmlns:a="http://schemas.openxmlformats.org/drawingml/2006/main" xmlns:r="http://schemas.openxmlformats.org/officeDocument/2006/relationships" xmlns:mc="http://schemas.openxmlformats.org/markup-compatibility/2006" xmlns:mv="urn:schemas-microsoft-com:mac:vml" xmlns:p="http://schemas.openxmlformats.org/presentationml/2006/main" xmlns:c="http://schemas.openxmlformats.org/drawingml/2006/chart" xmlns:dgm="http://schemas.openxmlformats.org/drawingml/2006/diagram" xmlns:o="urn:schemas-microsoft-com:office:office" xmlns:v="urn:schemas-microsoft-com:vml" xmlns:pvml="urn:schemas-microsoft-com:office:powerpoint" xmlns:com="http://schemas.openxmlformats.org/drawingml/2006/compatibility" xmlns:p14="http://schemas.microsoft.com/office/powerpoint/2010/main" xmlns:p15="http://schemas.microsoft.com/office/powerpoint/2012/main">
+<p:sldMaster xmlns:a="http://schemas.openxmlformats.org/drawingml/2006/main" xmlns:r="http://schemas.openxmlformats.org/officeDocument/2006/relationships" xmlns:p="http://schemas.openxmlformats.org/presentationml/2006/main">
   <p:cSld>
     <p:bg>
       <p:bgPr>
         <a:solidFill>
           <a:schemeClr val="lt1"/>
         </a:solidFill>
+        <a:effectLst/>
       </p:bgPr>
     </p:bg>
     <p:spTree>
       <p:nvGrpSpPr>
-        <p:cNvPr id="5" name="Shape 5"/>
+        <p:cNvPr id="1" name="Shape 5"/>
         <p:cNvGrpSpPr/>
         <p:nvPr/>
       </p:nvGrpSpPr>
@@ -5018,7 +5279,9 @@
       <p:sp>
         <p:nvSpPr>
           <p:cNvPr id="6" name="Shape 6"/>
-          <p:cNvSpPr txBox="1"/>
+          <p:cNvSpPr txBox="1">
+            <a:spLocks noGrp="1"/>
+          </p:cNvSpPr>
           <p:nvPr>
             <p:ph type="title"/>
           </p:nvPr>
@@ -5037,7 +5300,7 @@
           </a:ln>
         </p:spPr>
         <p:txBody>
-          <a:bodyPr anchorCtr="0" anchor="t" bIns="91425" lIns="91425" rIns="91425" tIns="91425"/>
+          <a:bodyPr lIns="91425" tIns="91425" rIns="91425" bIns="91425" anchor="t" anchorCtr="0"/>
           <a:lstStyle>
             <a:lvl1pPr lvl="0">
               <a:spcBef>
@@ -5220,15 +5483,19 @@
               </a:defRPr>
             </a:lvl9pPr>
           </a:lstStyle>
-          <a:p/>
+          <a:p>
+            <a:endParaRPr/>
+          </a:p>
         </p:txBody>
       </p:sp>
       <p:sp>
         <p:nvSpPr>
           <p:cNvPr id="7" name="Shape 7"/>
-          <p:cNvSpPr txBox="1"/>
+          <p:cNvSpPr txBox="1">
+            <a:spLocks noGrp="1"/>
+          </p:cNvSpPr>
           <p:nvPr>
-            <p:ph idx="1" type="body"/>
+            <p:ph type="body" idx="1"/>
           </p:nvPr>
         </p:nvSpPr>
         <p:spPr>
@@ -5245,7 +5512,7 @@
           </a:ln>
         </p:spPr>
         <p:txBody>
-          <a:bodyPr anchorCtr="0" anchor="t" bIns="91425" lIns="91425" rIns="91425" tIns="91425"/>
+          <a:bodyPr lIns="91425" tIns="91425" rIns="91425" bIns="91425" anchor="t" anchorCtr="0"/>
           <a:lstStyle>
             <a:lvl1pPr lvl="0">
               <a:lnSpc>
@@ -5474,15 +5741,19 @@
               </a:defRPr>
             </a:lvl9pPr>
           </a:lstStyle>
-          <a:p/>
+          <a:p>
+            <a:endParaRPr/>
+          </a:p>
         </p:txBody>
       </p:sp>
       <p:sp>
         <p:nvSpPr>
           <p:cNvPr id="8" name="Shape 8"/>
-          <p:cNvSpPr txBox="1"/>
+          <p:cNvSpPr txBox="1">
+            <a:spLocks noGrp="1"/>
+          </p:cNvSpPr>
           <p:nvPr>
-            <p:ph idx="12" type="sldNum"/>
+            <p:ph type="sldNum" idx="12"/>
           </p:nvPr>
         </p:nvSpPr>
         <p:spPr>
@@ -5499,7 +5770,7 @@
           </a:ln>
         </p:spPr>
         <p:txBody>
-          <a:bodyPr anchorCtr="0" anchor="ctr" bIns="91425" lIns="91425" rIns="91425" tIns="91425">
+          <a:bodyPr lIns="91425" tIns="91425" rIns="91425" bIns="91425" anchor="ctr" anchorCtr="0">
             <a:noAutofit/>
           </a:bodyPr>
           <a:lstStyle/>
@@ -5522,12 +5793,21 @@
               </a:rPr>
               <a:t>‹#›</a:t>
             </a:fld>
+            <a:endParaRPr lang="en" sz="1000">
+              <a:solidFill>
+                <a:schemeClr val="lt1"/>
+              </a:solidFill>
+              <a:latin typeface="Roboto"/>
+              <a:ea typeface="Roboto"/>
+              <a:cs typeface="Roboto"/>
+              <a:sym typeface="Roboto"/>
+            </a:endParaRPr>
           </a:p>
         </p:txBody>
       </p:sp>
     </p:spTree>
   </p:cSld>
-  <p:clrMap accent1="accent1" accent2="accent2" accent3="accent3" accent4="accent4" accent5="accent5" accent6="accent6" bg1="lt1" bg2="dk2" tx1="dk1" tx2="lt2" folHlink="folHlink" hlink="hlink"/>
+  <p:clrMap bg1="lt1" tx1="dk1" bg2="dk2" tx2="lt2" accent1="accent1" accent2="accent2" accent3="accent3" accent4="accent4" accent5="accent5" accent6="accent6" hlink="hlink" folHlink="folHlink"/>
   <p:sldLayoutIdLst>
     <p:sldLayoutId id="2147483648" r:id="rId1"/>
     <p:sldLayoutId id="2147483649" r:id="rId2"/>
@@ -5541,10 +5821,10 @@
     <p:sldLayoutId id="2147483657" r:id="rId10"/>
     <p:sldLayoutId id="2147483658" r:id="rId11"/>
   </p:sldLayoutIdLst>
-  <p:hf dt="0" ftr="0" hdr="0" sldNum="0"/>
+  <p:hf sldNum="0" hdr="0" ftr="0" dt="0"/>
   <p:txStyles>
     <p:titleStyle>
-      <a:defPPr lvl="0" marR="0" rtl="0" algn="l">
+      <a:defPPr marR="0" lvl="0" algn="l" rtl="0">
         <a:lnSpc>
           <a:spcPct val="100000"/>
         </a:lnSpc>
@@ -5555,7 +5835,7 @@
           <a:spcPts val="0"/>
         </a:spcAft>
       </a:defPPr>
-      <a:lvl1pPr lvl="0" marR="0" rtl="0" algn="l">
+      <a:lvl1pPr marR="0" lvl="0" algn="l" rtl="0">
         <a:lnSpc>
           <a:spcPct val="100000"/>
         </a:lnSpc>
@@ -5566,7 +5846,7 @@
           <a:spcPts val="0"/>
         </a:spcAft>
         <a:buNone/>
-        <a:defRPr b="0" i="0" sz="1400" u="none" cap="none" strike="noStrike">
+        <a:defRPr sz="1400" b="0" i="0" u="none" strike="noStrike" cap="none">
           <a:solidFill>
             <a:srgbClr val="000000"/>
           </a:solidFill>
@@ -5578,7 +5858,7 @@
       </a:lvl1pPr>
     </p:titleStyle>
     <p:bodyStyle>
-      <a:defPPr lvl="0" marR="0" rtl="0" algn="l">
+      <a:defPPr marR="0" lvl="0" algn="l" rtl="0">
         <a:lnSpc>
           <a:spcPct val="100000"/>
         </a:lnSpc>
@@ -5589,7 +5869,7 @@
           <a:spcPts val="0"/>
         </a:spcAft>
       </a:defPPr>
-      <a:lvl1pPr lvl="0" marR="0" rtl="0" algn="l">
+      <a:lvl1pPr marR="0" lvl="0" algn="l" rtl="0">
         <a:lnSpc>
           <a:spcPct val="100000"/>
         </a:lnSpc>
@@ -5600,7 +5880,7 @@
           <a:spcPts val="0"/>
         </a:spcAft>
         <a:buNone/>
-        <a:defRPr b="0" i="0" sz="1400" u="none" cap="none" strike="noStrike">
+        <a:defRPr sz="1400" b="0" i="0" u="none" strike="noStrike" cap="none">
           <a:solidFill>
             <a:srgbClr val="000000"/>
           </a:solidFill>
@@ -5610,7 +5890,7 @@
           <a:sym typeface="Arial"/>
         </a:defRPr>
       </a:lvl1pPr>
-      <a:lvl2pPr lvl="1" marR="0" rtl="0" algn="l">
+      <a:lvl2pPr marR="0" lvl="1" algn="l" rtl="0">
         <a:lnSpc>
           <a:spcPct val="100000"/>
         </a:lnSpc>
@@ -5621,7 +5901,7 @@
           <a:spcPts val="0"/>
         </a:spcAft>
         <a:buNone/>
-        <a:defRPr b="0" i="0" sz="1400" u="none" cap="none" strike="noStrike">
+        <a:defRPr sz="1400" b="0" i="0" u="none" strike="noStrike" cap="none">
           <a:solidFill>
             <a:srgbClr val="000000"/>
           </a:solidFill>
@@ -5631,7 +5911,7 @@
           <a:sym typeface="Arial"/>
         </a:defRPr>
       </a:lvl2pPr>
-      <a:lvl3pPr lvl="2" marR="0" rtl="0" algn="l">
+      <a:lvl3pPr marR="0" lvl="2" algn="l" rtl="0">
         <a:lnSpc>
           <a:spcPct val="100000"/>
         </a:lnSpc>
@@ -5642,7 +5922,7 @@
           <a:spcPts val="0"/>
         </a:spcAft>
         <a:buNone/>
-        <a:defRPr b="0" i="0" sz="1400" u="none" cap="none" strike="noStrike">
+        <a:defRPr sz="1400" b="0" i="0" u="none" strike="noStrike" cap="none">
           <a:solidFill>
             <a:srgbClr val="000000"/>
           </a:solidFill>
@@ -5652,7 +5932,7 @@
           <a:sym typeface="Arial"/>
         </a:defRPr>
       </a:lvl3pPr>
-      <a:lvl4pPr lvl="3" marR="0" rtl="0" algn="l">
+      <a:lvl4pPr marR="0" lvl="3" algn="l" rtl="0">
         <a:lnSpc>
           <a:spcPct val="100000"/>
         </a:lnSpc>
@@ -5663,7 +5943,7 @@
           <a:spcPts val="0"/>
         </a:spcAft>
         <a:buNone/>
-        <a:defRPr b="0" i="0" sz="1400" u="none" cap="none" strike="noStrike">
+        <a:defRPr sz="1400" b="0" i="0" u="none" strike="noStrike" cap="none">
           <a:solidFill>
             <a:srgbClr val="000000"/>
           </a:solidFill>
@@ -5673,7 +5953,7 @@
           <a:sym typeface="Arial"/>
         </a:defRPr>
       </a:lvl4pPr>
-      <a:lvl5pPr lvl="4" marR="0" rtl="0" algn="l">
+      <a:lvl5pPr marR="0" lvl="4" algn="l" rtl="0">
         <a:lnSpc>
           <a:spcPct val="100000"/>
         </a:lnSpc>
@@ -5684,7 +5964,7 @@
           <a:spcPts val="0"/>
         </a:spcAft>
         <a:buNone/>
-        <a:defRPr b="0" i="0" sz="1400" u="none" cap="none" strike="noStrike">
+        <a:defRPr sz="1400" b="0" i="0" u="none" strike="noStrike" cap="none">
           <a:solidFill>
             <a:srgbClr val="000000"/>
           </a:solidFill>
@@ -5694,7 +5974,7 @@
           <a:sym typeface="Arial"/>
         </a:defRPr>
       </a:lvl5pPr>
-      <a:lvl6pPr lvl="5" marR="0" rtl="0" algn="l">
+      <a:lvl6pPr marR="0" lvl="5" algn="l" rtl="0">
         <a:lnSpc>
           <a:spcPct val="100000"/>
         </a:lnSpc>
@@ -5705,7 +5985,7 @@
           <a:spcPts val="0"/>
         </a:spcAft>
         <a:buNone/>
-        <a:defRPr b="0" i="0" sz="1400" u="none" cap="none" strike="noStrike">
+        <a:defRPr sz="1400" b="0" i="0" u="none" strike="noStrike" cap="none">
           <a:solidFill>
             <a:srgbClr val="000000"/>
           </a:solidFill>
@@ -5715,7 +5995,7 @@
           <a:sym typeface="Arial"/>
         </a:defRPr>
       </a:lvl6pPr>
-      <a:lvl7pPr lvl="6" marR="0" rtl="0" algn="l">
+      <a:lvl7pPr marR="0" lvl="6" algn="l" rtl="0">
         <a:lnSpc>
           <a:spcPct val="100000"/>
         </a:lnSpc>
@@ -5726,7 +6006,7 @@
           <a:spcPts val="0"/>
         </a:spcAft>
         <a:buNone/>
-        <a:defRPr b="0" i="0" sz="1400" u="none" cap="none" strike="noStrike">
+        <a:defRPr sz="1400" b="0" i="0" u="none" strike="noStrike" cap="none">
           <a:solidFill>
             <a:srgbClr val="000000"/>
           </a:solidFill>
@@ -5736,7 +6016,7 @@
           <a:sym typeface="Arial"/>
         </a:defRPr>
       </a:lvl7pPr>
-      <a:lvl8pPr lvl="7" marR="0" rtl="0" algn="l">
+      <a:lvl8pPr marR="0" lvl="7" algn="l" rtl="0">
         <a:lnSpc>
           <a:spcPct val="100000"/>
         </a:lnSpc>
@@ -5747,7 +6027,7 @@
           <a:spcPts val="0"/>
         </a:spcAft>
         <a:buNone/>
-        <a:defRPr b="0" i="0" sz="1400" u="none" cap="none" strike="noStrike">
+        <a:defRPr sz="1400" b="0" i="0" u="none" strike="noStrike" cap="none">
           <a:solidFill>
             <a:srgbClr val="000000"/>
           </a:solidFill>
@@ -5757,7 +6037,7 @@
           <a:sym typeface="Arial"/>
         </a:defRPr>
       </a:lvl8pPr>
-      <a:lvl9pPr lvl="8" marR="0" rtl="0" algn="l">
+      <a:lvl9pPr marR="0" lvl="8" algn="l" rtl="0">
         <a:lnSpc>
           <a:spcPct val="100000"/>
         </a:lnSpc>
@@ -5768,7 +6048,7 @@
           <a:spcPts val="0"/>
         </a:spcAft>
         <a:buNone/>
-        <a:defRPr b="0" i="0" sz="1400" u="none" cap="none" strike="noStrike">
+        <a:defRPr sz="1400" b="0" i="0" u="none" strike="noStrike" cap="none">
           <a:solidFill>
             <a:srgbClr val="000000"/>
           </a:solidFill>
@@ -5780,7 +6060,7 @@
       </a:lvl9pPr>
     </p:bodyStyle>
     <p:otherStyle>
-      <a:defPPr lvl="0" marR="0" rtl="0" algn="l">
+      <a:defPPr marR="0" lvl="0" algn="l" rtl="0">
         <a:lnSpc>
           <a:spcPct val="100000"/>
         </a:lnSpc>
@@ -5791,7 +6071,7 @@
           <a:spcPts val="0"/>
         </a:spcAft>
       </a:defPPr>
-      <a:lvl1pPr lvl="0" marR="0" rtl="0" algn="l">
+      <a:lvl1pPr marR="0" lvl="0" algn="l" rtl="0">
         <a:lnSpc>
           <a:spcPct val="100000"/>
         </a:lnSpc>
@@ -5802,7 +6082,7 @@
           <a:spcPts val="0"/>
         </a:spcAft>
         <a:buNone/>
-        <a:defRPr b="0" i="0" sz="1400" u="none" cap="none" strike="noStrike">
+        <a:defRPr sz="1400" b="0" i="0" u="none" strike="noStrike" cap="none">
           <a:solidFill>
             <a:srgbClr val="000000"/>
           </a:solidFill>
@@ -5812,7 +6092,7 @@
           <a:sym typeface="Arial"/>
         </a:defRPr>
       </a:lvl1pPr>
-      <a:lvl2pPr lvl="1" marR="0" rtl="0" algn="l">
+      <a:lvl2pPr marR="0" lvl="1" algn="l" rtl="0">
         <a:lnSpc>
           <a:spcPct val="100000"/>
         </a:lnSpc>
@@ -5823,7 +6103,7 @@
           <a:spcPts val="0"/>
         </a:spcAft>
         <a:buNone/>
-        <a:defRPr b="0" i="0" sz="1400" u="none" cap="none" strike="noStrike">
+        <a:defRPr sz="1400" b="0" i="0" u="none" strike="noStrike" cap="none">
           <a:solidFill>
             <a:srgbClr val="000000"/>
           </a:solidFill>
@@ -5833,7 +6113,7 @@
           <a:sym typeface="Arial"/>
         </a:defRPr>
       </a:lvl2pPr>
-      <a:lvl3pPr lvl="2" marR="0" rtl="0" algn="l">
+      <a:lvl3pPr marR="0" lvl="2" algn="l" rtl="0">
         <a:lnSpc>
           <a:spcPct val="100000"/>
         </a:lnSpc>
@@ -5844,7 +6124,7 @@
           <a:spcPts val="0"/>
         </a:spcAft>
         <a:buNone/>
-        <a:defRPr b="0" i="0" sz="1400" u="none" cap="none" strike="noStrike">
+        <a:defRPr sz="1400" b="0" i="0" u="none" strike="noStrike" cap="none">
           <a:solidFill>
             <a:srgbClr val="000000"/>
           </a:solidFill>
@@ -5854,7 +6134,7 @@
           <a:sym typeface="Arial"/>
         </a:defRPr>
       </a:lvl3pPr>
-      <a:lvl4pPr lvl="3" marR="0" rtl="0" algn="l">
+      <a:lvl4pPr marR="0" lvl="3" algn="l" rtl="0">
         <a:lnSpc>
           <a:spcPct val="100000"/>
         </a:lnSpc>
@@ -5865,7 +6145,7 @@
           <a:spcPts val="0"/>
         </a:spcAft>
         <a:buNone/>
-        <a:defRPr b="0" i="0" sz="1400" u="none" cap="none" strike="noStrike">
+        <a:defRPr sz="1400" b="0" i="0" u="none" strike="noStrike" cap="none">
           <a:solidFill>
             <a:srgbClr val="000000"/>
           </a:solidFill>
@@ -5875,7 +6155,7 @@
           <a:sym typeface="Arial"/>
         </a:defRPr>
       </a:lvl4pPr>
-      <a:lvl5pPr lvl="4" marR="0" rtl="0" algn="l">
+      <a:lvl5pPr marR="0" lvl="4" algn="l" rtl="0">
         <a:lnSpc>
           <a:spcPct val="100000"/>
         </a:lnSpc>
@@ -5886,7 +6166,7 @@
           <a:spcPts val="0"/>
         </a:spcAft>
         <a:buNone/>
-        <a:defRPr b="0" i="0" sz="1400" u="none" cap="none" strike="noStrike">
+        <a:defRPr sz="1400" b="0" i="0" u="none" strike="noStrike" cap="none">
           <a:solidFill>
             <a:srgbClr val="000000"/>
           </a:solidFill>
@@ -5896,7 +6176,7 @@
           <a:sym typeface="Arial"/>
         </a:defRPr>
       </a:lvl5pPr>
-      <a:lvl6pPr lvl="5" marR="0" rtl="0" algn="l">
+      <a:lvl6pPr marR="0" lvl="5" algn="l" rtl="0">
         <a:lnSpc>
           <a:spcPct val="100000"/>
         </a:lnSpc>
@@ -5907,7 +6187,7 @@
           <a:spcPts val="0"/>
         </a:spcAft>
         <a:buNone/>
-        <a:defRPr b="0" i="0" sz="1400" u="none" cap="none" strike="noStrike">
+        <a:defRPr sz="1400" b="0" i="0" u="none" strike="noStrike" cap="none">
           <a:solidFill>
             <a:srgbClr val="000000"/>
           </a:solidFill>
@@ -5917,7 +6197,7 @@
           <a:sym typeface="Arial"/>
         </a:defRPr>
       </a:lvl6pPr>
-      <a:lvl7pPr lvl="6" marR="0" rtl="0" algn="l">
+      <a:lvl7pPr marR="0" lvl="6" algn="l" rtl="0">
         <a:lnSpc>
           <a:spcPct val="100000"/>
         </a:lnSpc>
@@ -5928,7 +6208,7 @@
           <a:spcPts val="0"/>
         </a:spcAft>
         <a:buNone/>
-        <a:defRPr b="0" i="0" sz="1400" u="none" cap="none" strike="noStrike">
+        <a:defRPr sz="1400" b="0" i="0" u="none" strike="noStrike" cap="none">
           <a:solidFill>
             <a:srgbClr val="000000"/>
           </a:solidFill>
@@ -5938,7 +6218,7 @@
           <a:sym typeface="Arial"/>
         </a:defRPr>
       </a:lvl7pPr>
-      <a:lvl8pPr lvl="7" marR="0" rtl="0" algn="l">
+      <a:lvl8pPr marR="0" lvl="7" algn="l" rtl="0">
         <a:lnSpc>
           <a:spcPct val="100000"/>
         </a:lnSpc>
@@ -5949,7 +6229,7 @@
           <a:spcPts val="0"/>
         </a:spcAft>
         <a:buNone/>
-        <a:defRPr b="0" i="0" sz="1400" u="none" cap="none" strike="noStrike">
+        <a:defRPr sz="1400" b="0" i="0" u="none" strike="noStrike" cap="none">
           <a:solidFill>
             <a:srgbClr val="000000"/>
           </a:solidFill>
@@ -5959,7 +6239,7 @@
           <a:sym typeface="Arial"/>
         </a:defRPr>
       </a:lvl8pPr>
-      <a:lvl9pPr lvl="8" marR="0" rtl="0" algn="l">
+      <a:lvl9pPr marR="0" lvl="8" algn="l" rtl="0">
         <a:lnSpc>
           <a:spcPct val="100000"/>
         </a:lnSpc>
@@ -5970,7 +6250,7 @@
           <a:spcPts val="0"/>
         </a:spcAft>
         <a:buNone/>
-        <a:defRPr b="0" i="0" sz="1400" u="none" cap="none" strike="noStrike">
+        <a:defRPr sz="1400" b="0" i="0" u="none" strike="noStrike" cap="none">
           <a:solidFill>
             <a:srgbClr val="000000"/>
           </a:solidFill>
@@ -5986,11 +6266,11 @@
 </file>
 
 <file path=ppt/slides/slide1.xml><?xml version="1.0" encoding="utf-8"?>
-<p:sld xmlns:a="http://schemas.openxmlformats.org/drawingml/2006/main" xmlns:r="http://schemas.openxmlformats.org/officeDocument/2006/relationships" xmlns:mc="http://schemas.openxmlformats.org/markup-compatibility/2006" xmlns:mv="urn:schemas-microsoft-com:mac:vml" xmlns:p="http://schemas.openxmlformats.org/presentationml/2006/main" xmlns:c="http://schemas.openxmlformats.org/drawingml/2006/chart" xmlns:dgm="http://schemas.openxmlformats.org/drawingml/2006/diagram" xmlns:o="urn:schemas-microsoft-com:office:office" xmlns:v="urn:schemas-microsoft-com:vml" xmlns:pvml="urn:schemas-microsoft-com:office:powerpoint" xmlns:com="http://schemas.openxmlformats.org/drawingml/2006/compatibility" xmlns:p14="http://schemas.microsoft.com/office/powerpoint/2010/main" xmlns:p15="http://schemas.microsoft.com/office/powerpoint/2012/main">
+<p:sld xmlns:a="http://schemas.openxmlformats.org/drawingml/2006/main" xmlns:r="http://schemas.openxmlformats.org/officeDocument/2006/relationships" xmlns:p="http://schemas.openxmlformats.org/presentationml/2006/main">
   <p:cSld>
     <p:spTree>
       <p:nvGrpSpPr>
-        <p:cNvPr id="84" name="Shape 84"/>
+        <p:cNvPr id="1" name="Shape 84"/>
         <p:cNvGrpSpPr/>
         <p:nvPr/>
       </p:nvGrpSpPr>
@@ -6005,9 +6285,11 @@
       <p:sp>
         <p:nvSpPr>
           <p:cNvPr id="85" name="Shape 85"/>
-          <p:cNvSpPr txBox="1"/>
+          <p:cNvSpPr txBox="1">
+            <a:spLocks noGrp="1"/>
+          </p:cNvSpPr>
           <p:nvPr>
-            <p:ph idx="1" type="subTitle"/>
+            <p:ph type="subTitle" idx="1"/>
           </p:nvPr>
         </p:nvSpPr>
         <p:spPr>
@@ -6020,7 +6302,7 @@
           </a:prstGeom>
         </p:spPr>
         <p:txBody>
-          <a:bodyPr anchorCtr="0" anchor="t" bIns="91425" lIns="91425" rIns="91425" tIns="91425">
+          <a:bodyPr lIns="91425" tIns="91425" rIns="91425" bIns="91425" anchor="t" anchorCtr="0">
             <a:noAutofit/>
           </a:bodyPr>
           <a:lstStyle/>
@@ -6036,7 +6318,7 @@
               <a:t>An Application from </a:t>
             </a:r>
             <a:r>
-              <a:rPr i="1" lang="en"/>
+              <a:rPr lang="en" i="1"/>
               <a:t>Working as Designed</a:t>
             </a:r>
           </a:p>
@@ -6075,15 +6357,22 @@
   <p:clrMapOvr>
     <a:masterClrMapping/>
   </p:clrMapOvr>
+  <p:timing>
+    <p:tnLst>
+      <p:par>
+        <p:cTn id="1" dur="indefinite" restart="never" nodeType="tmRoot"/>
+      </p:par>
+    </p:tnLst>
+  </p:timing>
 </p:sld>
 </file>
 
 <file path=ppt/slides/slide2.xml><?xml version="1.0" encoding="utf-8"?>
-<p:sld xmlns:a="http://schemas.openxmlformats.org/drawingml/2006/main" xmlns:r="http://schemas.openxmlformats.org/officeDocument/2006/relationships" xmlns:mc="http://schemas.openxmlformats.org/markup-compatibility/2006" xmlns:mv="urn:schemas-microsoft-com:mac:vml" xmlns:p="http://schemas.openxmlformats.org/presentationml/2006/main" xmlns:c="http://schemas.openxmlformats.org/drawingml/2006/chart" xmlns:dgm="http://schemas.openxmlformats.org/drawingml/2006/diagram" xmlns:o="urn:schemas-microsoft-com:office:office" xmlns:v="urn:schemas-microsoft-com:vml" xmlns:pvml="urn:schemas-microsoft-com:office:powerpoint" xmlns:com="http://schemas.openxmlformats.org/drawingml/2006/compatibility" xmlns:p14="http://schemas.microsoft.com/office/powerpoint/2010/main" xmlns:p15="http://schemas.microsoft.com/office/powerpoint/2012/main">
+<p:sld xmlns:a="http://schemas.openxmlformats.org/drawingml/2006/main" xmlns:r="http://schemas.openxmlformats.org/officeDocument/2006/relationships" xmlns:p="http://schemas.openxmlformats.org/presentationml/2006/main">
   <p:cSld>
     <p:spTree>
       <p:nvGrpSpPr>
-        <p:cNvPr id="90" name="Shape 90"/>
+        <p:cNvPr id="1" name="Shape 90"/>
         <p:cNvGrpSpPr/>
         <p:nvPr/>
       </p:nvGrpSpPr>
@@ -6098,7 +6387,9 @@
       <p:sp>
         <p:nvSpPr>
           <p:cNvPr id="91" name="Shape 91"/>
-          <p:cNvSpPr txBox="1"/>
+          <p:cNvSpPr txBox="1">
+            <a:spLocks noGrp="1"/>
+          </p:cNvSpPr>
           <p:nvPr>
             <p:ph type="title"/>
           </p:nvPr>
@@ -6113,7 +6404,7 @@
           </a:prstGeom>
         </p:spPr>
         <p:txBody>
-          <a:bodyPr anchorCtr="0" anchor="t" bIns="91425" lIns="91425" rIns="91425" tIns="91425">
+          <a:bodyPr lIns="91425" tIns="91425" rIns="91425" bIns="91425" anchor="t" anchorCtr="0">
             <a:noAutofit/>
           </a:bodyPr>
           <a:lstStyle/>
@@ -6134,9 +6425,11 @@
       <p:sp>
         <p:nvSpPr>
           <p:cNvPr id="92" name="Shape 92"/>
-          <p:cNvSpPr txBox="1"/>
+          <p:cNvSpPr txBox="1">
+            <a:spLocks noGrp="1"/>
+          </p:cNvSpPr>
           <p:nvPr>
-            <p:ph idx="1" type="body"/>
+            <p:ph type="body" idx="1"/>
           </p:nvPr>
         </p:nvSpPr>
         <p:spPr>
@@ -6149,7 +6442,7 @@
           </a:prstGeom>
         </p:spPr>
         <p:txBody>
-          <a:bodyPr anchorCtr="0" anchor="t" bIns="91425" lIns="91425" rIns="91425" tIns="91425">
+          <a:bodyPr lIns="91425" tIns="91425" rIns="91425" bIns="91425" anchor="t" anchorCtr="0">
             <a:noAutofit/>
           </a:bodyPr>
           <a:lstStyle/>
@@ -6166,7 +6459,7 @@
             </a:r>
           </a:p>
           <a:p>
-            <a:pPr indent="-228600" lvl="0" marL="457200" rtl="0">
+            <a:pPr marL="457200" lvl="0" indent="-228600" rtl="0">
               <a:spcBef>
                 <a:spcPts val="0"/>
               </a:spcBef>
@@ -6177,7 +6470,7 @@
             </a:r>
           </a:p>
           <a:p>
-            <a:pPr indent="-228600" lvl="0" marL="457200">
+            <a:pPr marL="457200" lvl="0" indent="-228600">
               <a:spcBef>
                 <a:spcPts val="0"/>
               </a:spcBef>
@@ -6188,7 +6481,7 @@
             </a:r>
           </a:p>
           <a:p>
-            <a:pPr indent="-228600" lvl="0" marL="457200">
+            <a:pPr marL="457200" lvl="0" indent="-228600">
               <a:spcBef>
                 <a:spcPts val="0"/>
               </a:spcBef>
@@ -6199,7 +6492,7 @@
             </a:r>
           </a:p>
           <a:p>
-            <a:pPr indent="-228600" lvl="0" marL="457200" rtl="0">
+            <a:pPr marL="457200" lvl="0" indent="-228600" rtl="0">
               <a:spcBef>
                 <a:spcPts val="0"/>
               </a:spcBef>
@@ -6216,15 +6509,22 @@
   <p:clrMapOvr>
     <a:masterClrMapping/>
   </p:clrMapOvr>
+  <p:timing>
+    <p:tnLst>
+      <p:par>
+        <p:cTn id="1" dur="indefinite" restart="never" nodeType="tmRoot"/>
+      </p:par>
+    </p:tnLst>
+  </p:timing>
 </p:sld>
 </file>
 
 <file path=ppt/slides/slide3.xml><?xml version="1.0" encoding="utf-8"?>
-<p:sld xmlns:a="http://schemas.openxmlformats.org/drawingml/2006/main" xmlns:r="http://schemas.openxmlformats.org/officeDocument/2006/relationships" xmlns:mc="http://schemas.openxmlformats.org/markup-compatibility/2006" xmlns:mv="urn:schemas-microsoft-com:mac:vml" xmlns:p="http://schemas.openxmlformats.org/presentationml/2006/main" xmlns:c="http://schemas.openxmlformats.org/drawingml/2006/chart" xmlns:dgm="http://schemas.openxmlformats.org/drawingml/2006/diagram" xmlns:o="urn:schemas-microsoft-com:office:office" xmlns:v="urn:schemas-microsoft-com:vml" xmlns:pvml="urn:schemas-microsoft-com:office:powerpoint" xmlns:com="http://schemas.openxmlformats.org/drawingml/2006/compatibility" xmlns:p14="http://schemas.microsoft.com/office/powerpoint/2010/main" xmlns:p15="http://schemas.microsoft.com/office/powerpoint/2012/main">
+<p:sld xmlns:a="http://schemas.openxmlformats.org/drawingml/2006/main" xmlns:r="http://schemas.openxmlformats.org/officeDocument/2006/relationships" xmlns:p="http://schemas.openxmlformats.org/presentationml/2006/main">
   <p:cSld>
     <p:spTree>
       <p:nvGrpSpPr>
-        <p:cNvPr id="96" name="Shape 96"/>
+        <p:cNvPr id="1" name="Shape 96"/>
         <p:cNvGrpSpPr/>
         <p:nvPr/>
       </p:nvGrpSpPr>
@@ -6239,7 +6539,9 @@
       <p:sp>
         <p:nvSpPr>
           <p:cNvPr id="97" name="Shape 97"/>
-          <p:cNvSpPr txBox="1"/>
+          <p:cNvSpPr txBox="1">
+            <a:spLocks noGrp="1"/>
+          </p:cNvSpPr>
           <p:nvPr>
             <p:ph type="title"/>
           </p:nvPr>
@@ -6254,12 +6556,12 @@
           </a:prstGeom>
         </p:spPr>
         <p:txBody>
-          <a:bodyPr anchorCtr="0" anchor="t" bIns="91425" lIns="91425" rIns="91425" tIns="91425">
+          <a:bodyPr lIns="91425" tIns="91425" rIns="91425" bIns="91425" anchor="t" anchorCtr="0">
             <a:noAutofit/>
           </a:bodyPr>
           <a:lstStyle/>
           <a:p>
-            <a:pPr lvl="0" rtl="0" algn="ctr">
+            <a:pPr lvl="0" algn="ctr" rtl="0">
               <a:spcBef>
                 <a:spcPts val="0"/>
               </a:spcBef>
@@ -6274,7 +6576,7 @@
       </p:sp>
       <p:pic>
         <p:nvPicPr>
-          <p:cNvPr descr="Foundation floor crack in Peoria, IL" id="98" name="Shape 98"/>
+          <p:cNvPr id="98" name="Shape 98" descr="Foundation floor crack in Peoria, IL"/>
           <p:cNvPicPr preferRelativeResize="0"/>
           <p:nvPr/>
         </p:nvPicPr>
@@ -6288,7 +6590,7 @@
         </p:blipFill>
         <p:spPr>
           <a:xfrm>
-            <a:off x="2728012" y="1704375"/>
+            <a:off x="1031292" y="1551816"/>
             <a:ext cx="3800175" cy="2850125"/>
           </a:xfrm>
           <a:prstGeom prst="rect">
@@ -6300,20 +6602,68 @@
           </a:ln>
         </p:spPr>
       </p:pic>
+      <p:pic>
+        <p:nvPicPr>
+          <p:cNvPr id="1026" name="Picture 2" descr="https://raw.githubusercontent.com/bergebf/peoriacivichackathon2017/master/Images/device-2017-08-12-180725.png"/>
+          <p:cNvPicPr>
+            <a:picLocks noChangeAspect="1" noChangeArrowheads="1"/>
+          </p:cNvPicPr>
+          <p:nvPr/>
+        </p:nvPicPr>
+        <p:blipFill>
+          <a:blip r:embed="rId4">
+            <a:extLst>
+              <a:ext uri="{28A0092B-C50C-407E-A947-70E740481C1C}">
+                <a14:useLocalDpi xmlns:a14="http://schemas.microsoft.com/office/drawing/2010/main" val="0"/>
+              </a:ext>
+            </a:extLst>
+          </a:blip>
+          <a:srcRect/>
+          <a:stretch>
+            <a:fillRect/>
+          </a:stretch>
+        </p:blipFill>
+        <p:spPr bwMode="auto">
+          <a:xfrm>
+            <a:off x="5748199" y="1320797"/>
+            <a:ext cx="1863091" cy="3312161"/>
+          </a:xfrm>
+          <a:prstGeom prst="rect">
+            <a:avLst/>
+          </a:prstGeom>
+          <a:noFill/>
+          <a:extLst>
+            <a:ext uri="{909E8E84-426E-40DD-AFC4-6F175D3DCCD1}">
+              <a14:hiddenFill xmlns:a14="http://schemas.microsoft.com/office/drawing/2010/main">
+                <a:solidFill>
+                  <a:srgbClr val="FFFFFF"/>
+                </a:solidFill>
+              </a14:hiddenFill>
+            </a:ext>
+          </a:extLst>
+        </p:spPr>
+      </p:pic>
     </p:spTree>
   </p:cSld>
   <p:clrMapOvr>
     <a:masterClrMapping/>
   </p:clrMapOvr>
+  <p:timing>
+    <p:tnLst>
+      <p:par>
+        <p:cTn id="1" dur="indefinite" restart="never" nodeType="tmRoot"/>
+      </p:par>
+    </p:tnLst>
+  </p:timing>
 </p:sld>
 </file>
 
 <file path=ppt/slides/slide4.xml><?xml version="1.0" encoding="utf-8"?>
-<p:sld xmlns:a="http://schemas.openxmlformats.org/drawingml/2006/main" xmlns:r="http://schemas.openxmlformats.org/officeDocument/2006/relationships" xmlns:mc="http://schemas.openxmlformats.org/markup-compatibility/2006" xmlns:mv="urn:schemas-microsoft-com:mac:vml" xmlns:p="http://schemas.openxmlformats.org/presentationml/2006/main" xmlns:c="http://schemas.openxmlformats.org/drawingml/2006/chart" xmlns:dgm="http://schemas.openxmlformats.org/drawingml/2006/diagram" xmlns:o="urn:schemas-microsoft-com:office:office" xmlns:v="urn:schemas-microsoft-com:vml" xmlns:pvml="urn:schemas-microsoft-com:office:powerpoint" xmlns:com="http://schemas.openxmlformats.org/drawingml/2006/compatibility" xmlns:p14="http://schemas.microsoft.com/office/powerpoint/2010/main" xmlns:p15="http://schemas.microsoft.com/office/powerpoint/2012/main">
+<p:sld xmlns:a="http://schemas.openxmlformats.org/drawingml/2006/main" xmlns:r="http://schemas.openxmlformats.org/officeDocument/2006/relationships" xmlns:p="http://schemas.openxmlformats.org/presentationml/2006/main">
   <p:cSld>
     <p:spTree>
       <p:nvGrpSpPr>
-        <p:cNvPr id="102" name="Shape 102"/>
+        <p:cNvPr id="1" name="Shape 102"/>
         <p:cNvGrpSpPr/>
         <p:nvPr/>
       </p:nvGrpSpPr>
@@ -6328,7 +6678,9 @@
       <p:sp>
         <p:nvSpPr>
           <p:cNvPr id="103" name="Shape 103"/>
-          <p:cNvSpPr txBox="1"/>
+          <p:cNvSpPr txBox="1">
+            <a:spLocks noGrp="1"/>
+          </p:cNvSpPr>
           <p:nvPr>
             <p:ph type="title"/>
           </p:nvPr>
@@ -6343,7 +6695,7 @@
           </a:prstGeom>
         </p:spPr>
         <p:txBody>
-          <a:bodyPr anchorCtr="0" anchor="t" bIns="91425" lIns="91425" rIns="91425" tIns="91425">
+          <a:bodyPr lIns="91425" tIns="91425" rIns="91425" bIns="91425" anchor="t" anchorCtr="0">
             <a:noAutofit/>
           </a:bodyPr>
           <a:lstStyle/>
@@ -6363,7 +6715,7 @@
       </p:sp>
       <p:pic>
         <p:nvPicPr>
-          <p:cNvPr descr="Business access sign.jpg" id="104" name="Shape 104"/>
+          <p:cNvPr id="104" name="Shape 104" descr="Business access sign.jpg"/>
           <p:cNvPicPr preferRelativeResize="0"/>
           <p:nvPr/>
         </p:nvPicPr>
@@ -6402,25 +6754,25 @@
           </a:xfrm>
           <a:prstGeom prst="cloudCallout">
             <a:avLst>
-              <a:gd fmla="val -57152" name="adj1"/>
-              <a:gd fmla="val 76284" name="adj2"/>
+              <a:gd name="adj1" fmla="val -57152"/>
+              <a:gd name="adj2" fmla="val 76284"/>
             </a:avLst>
           </a:prstGeom>
           <a:solidFill>
             <a:schemeClr val="lt2"/>
           </a:solidFill>
-          <a:ln cap="flat" cmpd="sng" w="9525">
+          <a:ln w="9525" cap="flat" cmpd="sng">
             <a:solidFill>
               <a:schemeClr val="dk2"/>
             </a:solidFill>
             <a:prstDash val="solid"/>
             <a:round/>
-            <a:headEnd len="med" w="med" type="none"/>
-            <a:tailEnd len="med" w="med" type="none"/>
+            <a:headEnd type="none" w="med" len="med"/>
+            <a:tailEnd type="none" w="med" len="med"/>
           </a:ln>
         </p:spPr>
         <p:txBody>
-          <a:bodyPr anchorCtr="0" anchor="ctr" bIns="91425" lIns="91425" rIns="91425" tIns="91425">
+          <a:bodyPr lIns="91425" tIns="91425" rIns="91425" bIns="91425" anchor="ctr" anchorCtr="0">
             <a:noAutofit/>
           </a:bodyPr>
           <a:lstStyle/>
@@ -6431,16 +6783,13 @@
               </a:spcBef>
               <a:buNone/>
             </a:pPr>
-            <a:r>
-              <a:t/>
-            </a:r>
             <a:endParaRPr/>
           </a:p>
         </p:txBody>
       </p:sp>
       <p:pic>
         <p:nvPicPr>
-          <p:cNvPr descr="Thinklikeowner.jpg" id="106" name="Shape 106"/>
+          <p:cNvPr id="106" name="Shape 106" descr="Thinklikeowner.jpg"/>
           <p:cNvPicPr preferRelativeResize="0"/>
           <p:nvPr/>
         </p:nvPicPr>
@@ -6471,15 +6820,22 @@
   <p:clrMapOvr>
     <a:masterClrMapping/>
   </p:clrMapOvr>
+  <p:timing>
+    <p:tnLst>
+      <p:par>
+        <p:cTn id="1" dur="indefinite" restart="never" nodeType="tmRoot"/>
+      </p:par>
+    </p:tnLst>
+  </p:timing>
 </p:sld>
 </file>
 
 <file path=ppt/slides/slide5.xml><?xml version="1.0" encoding="utf-8"?>
-<p:sld xmlns:a="http://schemas.openxmlformats.org/drawingml/2006/main" xmlns:r="http://schemas.openxmlformats.org/officeDocument/2006/relationships" xmlns:mc="http://schemas.openxmlformats.org/markup-compatibility/2006" xmlns:mv="urn:schemas-microsoft-com:mac:vml" xmlns:p="http://schemas.openxmlformats.org/presentationml/2006/main" xmlns:c="http://schemas.openxmlformats.org/drawingml/2006/chart" xmlns:dgm="http://schemas.openxmlformats.org/drawingml/2006/diagram" xmlns:o="urn:schemas-microsoft-com:office:office" xmlns:v="urn:schemas-microsoft-com:vml" xmlns:pvml="urn:schemas-microsoft-com:office:powerpoint" xmlns:com="http://schemas.openxmlformats.org/drawingml/2006/compatibility" xmlns:p14="http://schemas.microsoft.com/office/powerpoint/2010/main" xmlns:p15="http://schemas.microsoft.com/office/powerpoint/2012/main">
+<p:sld xmlns:a="http://schemas.openxmlformats.org/drawingml/2006/main" xmlns:r="http://schemas.openxmlformats.org/officeDocument/2006/relationships" xmlns:p="http://schemas.openxmlformats.org/presentationml/2006/main">
   <p:cSld>
     <p:spTree>
       <p:nvGrpSpPr>
-        <p:cNvPr id="110" name="Shape 110"/>
+        <p:cNvPr id="1" name="Shape 110"/>
         <p:cNvGrpSpPr/>
         <p:nvPr/>
       </p:nvGrpSpPr>
@@ -6494,7 +6850,9 @@
       <p:sp>
         <p:nvSpPr>
           <p:cNvPr id="111" name="Shape 111"/>
-          <p:cNvSpPr txBox="1"/>
+          <p:cNvSpPr txBox="1">
+            <a:spLocks noGrp="1"/>
+          </p:cNvSpPr>
           <p:nvPr>
             <p:ph type="title"/>
           </p:nvPr>
@@ -6509,12 +6867,12 @@
           </a:prstGeom>
         </p:spPr>
         <p:txBody>
-          <a:bodyPr anchorCtr="0" anchor="t" bIns="91425" lIns="91425" rIns="91425" tIns="91425">
+          <a:bodyPr lIns="91425" tIns="91425" rIns="91425" bIns="91425" anchor="t" anchorCtr="0">
             <a:noAutofit/>
           </a:bodyPr>
           <a:lstStyle/>
           <a:p>
-            <a:pPr lvl="0" rtl="0" algn="ctr">
+            <a:pPr lvl="0" algn="ctr" rtl="0">
               <a:spcBef>
                 <a:spcPts val="0"/>
               </a:spcBef>
@@ -6529,7 +6887,7 @@
       </p:sp>
       <p:pic>
         <p:nvPicPr>
-          <p:cNvPr descr="traffic-654876.jpg" id="112" name="Shape 112"/>
+          <p:cNvPr id="112" name="Shape 112" descr="traffic-654876.jpg"/>
           <p:cNvPicPr preferRelativeResize="0"/>
           <p:nvPr/>
         </p:nvPicPr>
@@ -6557,7 +6915,7 @@
       </p:pic>
       <p:pic>
         <p:nvPicPr>
-          <p:cNvPr descr="a6fa5e04f4a7fb8902d2c8b43d081784.jpg" id="113" name="Shape 113"/>
+          <p:cNvPr id="113" name="Shape 113" descr="a6fa5e04f4a7fb8902d2c8b43d081784.jpg"/>
           <p:cNvPicPr preferRelativeResize="0"/>
           <p:nvPr/>
         </p:nvPicPr>
@@ -6588,15 +6946,22 @@
   <p:clrMapOvr>
     <a:masterClrMapping/>
   </p:clrMapOvr>
+  <p:timing>
+    <p:tnLst>
+      <p:par>
+        <p:cTn id="1" dur="indefinite" restart="never" nodeType="tmRoot"/>
+      </p:par>
+    </p:tnLst>
+  </p:timing>
 </p:sld>
 </file>
 
 <file path=ppt/slides/slide6.xml><?xml version="1.0" encoding="utf-8"?>
-<p:sld xmlns:a="http://schemas.openxmlformats.org/drawingml/2006/main" xmlns:r="http://schemas.openxmlformats.org/officeDocument/2006/relationships" xmlns:mc="http://schemas.openxmlformats.org/markup-compatibility/2006" xmlns:mv="urn:schemas-microsoft-com:mac:vml" xmlns:p="http://schemas.openxmlformats.org/presentationml/2006/main" xmlns:c="http://schemas.openxmlformats.org/drawingml/2006/chart" xmlns:dgm="http://schemas.openxmlformats.org/drawingml/2006/diagram" xmlns:o="urn:schemas-microsoft-com:office:office" xmlns:v="urn:schemas-microsoft-com:vml" xmlns:pvml="urn:schemas-microsoft-com:office:powerpoint" xmlns:com="http://schemas.openxmlformats.org/drawingml/2006/compatibility" xmlns:p14="http://schemas.microsoft.com/office/powerpoint/2010/main" xmlns:p15="http://schemas.microsoft.com/office/powerpoint/2012/main">
+<p:sld xmlns:a="http://schemas.openxmlformats.org/drawingml/2006/main" xmlns:r="http://schemas.openxmlformats.org/officeDocument/2006/relationships" xmlns:p="http://schemas.openxmlformats.org/presentationml/2006/main">
   <p:cSld>
     <p:spTree>
       <p:nvGrpSpPr>
-        <p:cNvPr id="117" name="Shape 117"/>
+        <p:cNvPr id="1" name="Shape 117"/>
         <p:cNvGrpSpPr/>
         <p:nvPr/>
       </p:nvGrpSpPr>
@@ -6611,7 +6976,9 @@
       <p:sp>
         <p:nvSpPr>
           <p:cNvPr id="118" name="Shape 118"/>
-          <p:cNvSpPr txBox="1"/>
+          <p:cNvSpPr txBox="1">
+            <a:spLocks noGrp="1"/>
+          </p:cNvSpPr>
           <p:nvPr>
             <p:ph type="title"/>
           </p:nvPr>
@@ -6626,12 +6993,12 @@
           </a:prstGeom>
         </p:spPr>
         <p:txBody>
-          <a:bodyPr anchorCtr="0" anchor="t" bIns="91425" lIns="91425" rIns="91425" tIns="91425">
+          <a:bodyPr lIns="91425" tIns="91425" rIns="91425" bIns="91425" anchor="t" anchorCtr="0">
             <a:noAutofit/>
           </a:bodyPr>
           <a:lstStyle/>
           <a:p>
-            <a:pPr lvl="0" rtl="0" algn="ctr">
+            <a:pPr lvl="0" algn="ctr" rtl="0">
               <a:spcBef>
                 <a:spcPts val="0"/>
               </a:spcBef>
@@ -6646,7 +7013,7 @@
       </p:sp>
       <p:pic>
         <p:nvPicPr>
-          <p:cNvPr descr="6916-5861f8005798d.jpg" id="119" name="Shape 119"/>
+          <p:cNvPr id="119" name="Shape 119" descr="6916-5861f8005798d.jpg"/>
           <p:cNvPicPr preferRelativeResize="0"/>
           <p:nvPr/>
         </p:nvPicPr>
@@ -6674,7 +7041,7 @@
       </p:pic>
       <p:pic>
         <p:nvPicPr>
-          <p:cNvPr descr="Construction 2015 - 10 Street btw 3 &amp; 2 Ave NW.jpg" id="120" name="Shape 120"/>
+          <p:cNvPr id="120" name="Shape 120" descr="Construction 2015 - 10 Street btw 3 &amp; 2 Ave NW.jpg"/>
           <p:cNvPicPr preferRelativeResize="0"/>
           <p:nvPr/>
         </p:nvPicPr>
@@ -6702,7 +7069,7 @@
       </p:pic>
       <p:pic>
         <p:nvPicPr>
-          <p:cNvPr descr="PSPADLKW5.jpg" id="121" name="Shape 121"/>
+          <p:cNvPr id="121" name="Shape 121" descr="PSPADLKW5.jpg"/>
           <p:cNvPicPr preferRelativeResize="0"/>
           <p:nvPr/>
         </p:nvPicPr>
@@ -6733,15 +7100,123 @@
   <p:clrMapOvr>
     <a:masterClrMapping/>
   </p:clrMapOvr>
+  <p:timing>
+    <p:tnLst>
+      <p:par>
+        <p:cTn id="1" dur="indefinite" restart="never" nodeType="tmRoot"/>
+      </p:par>
+    </p:tnLst>
+  </p:timing>
 </p:sld>
 </file>
 
 <file path=ppt/slides/slide7.xml><?xml version="1.0" encoding="utf-8"?>
-<p:sld xmlns:a="http://schemas.openxmlformats.org/drawingml/2006/main" xmlns:r="http://schemas.openxmlformats.org/officeDocument/2006/relationships" xmlns:mc="http://schemas.openxmlformats.org/markup-compatibility/2006" xmlns:mv="urn:schemas-microsoft-com:mac:vml" xmlns:p="http://schemas.openxmlformats.org/presentationml/2006/main" xmlns:c="http://schemas.openxmlformats.org/drawingml/2006/chart" xmlns:dgm="http://schemas.openxmlformats.org/drawingml/2006/diagram" xmlns:o="urn:schemas-microsoft-com:office:office" xmlns:v="urn:schemas-microsoft-com:vml" xmlns:pvml="urn:schemas-microsoft-com:office:powerpoint" xmlns:com="http://schemas.openxmlformats.org/drawingml/2006/compatibility" xmlns:p14="http://schemas.microsoft.com/office/powerpoint/2010/main" xmlns:p15="http://schemas.microsoft.com/office/powerpoint/2012/main">
+<p:sld xmlns:a="http://schemas.openxmlformats.org/drawingml/2006/main" xmlns:r="http://schemas.openxmlformats.org/officeDocument/2006/relationships" xmlns:p="http://schemas.openxmlformats.org/presentationml/2006/main">
   <p:cSld>
     <p:spTree>
       <p:nvGrpSpPr>
-        <p:cNvPr id="125" name="Shape 125"/>
+        <p:cNvPr id="1" name=""/>
+        <p:cNvGrpSpPr/>
+        <p:nvPr/>
+      </p:nvGrpSpPr>
+      <p:grpSpPr>
+        <a:xfrm>
+          <a:off x="0" y="0"/>
+          <a:ext cx="0" cy="0"/>
+          <a:chOff x="0" y="0"/>
+          <a:chExt cx="0" cy="0"/>
+        </a:xfrm>
+      </p:grpSpPr>
+      <p:sp>
+        <p:nvSpPr>
+          <p:cNvPr id="2" name="Title 1"/>
+          <p:cNvSpPr>
+            <a:spLocks noGrp="1"/>
+          </p:cNvSpPr>
+          <p:nvPr>
+            <p:ph type="title"/>
+          </p:nvPr>
+        </p:nvSpPr>
+        <p:spPr/>
+        <p:txBody>
+          <a:bodyPr/>
+          <a:lstStyle/>
+          <a:p>
+            <a:r>
+              <a:rPr lang="en-US" dirty="0" smtClean="0"/>
+              <a:t>Project Updates</a:t>
+            </a:r>
+            <a:endParaRPr lang="en-US" dirty="0"/>
+          </a:p>
+        </p:txBody>
+      </p:sp>
+      <p:pic>
+        <p:nvPicPr>
+          <p:cNvPr id="3" name="Picture 2"/>
+          <p:cNvPicPr>
+            <a:picLocks noChangeAspect="1"/>
+          </p:cNvPicPr>
+          <p:nvPr/>
+        </p:nvPicPr>
+        <p:blipFill>
+          <a:blip r:embed="rId2"/>
+          <a:stretch>
+            <a:fillRect/>
+          </a:stretch>
+        </p:blipFill>
+        <p:spPr>
+          <a:xfrm>
+            <a:off x="530317" y="1186216"/>
+            <a:ext cx="3966056" cy="3718850"/>
+          </a:xfrm>
+          <a:prstGeom prst="rect">
+            <a:avLst/>
+          </a:prstGeom>
+        </p:spPr>
+      </p:pic>
+      <p:pic>
+        <p:nvPicPr>
+          <p:cNvPr id="4" name="Picture 3"/>
+          <p:cNvPicPr>
+            <a:picLocks noChangeAspect="1"/>
+          </p:cNvPicPr>
+          <p:nvPr/>
+        </p:nvPicPr>
+        <p:blipFill>
+          <a:blip r:embed="rId3"/>
+          <a:stretch>
+            <a:fillRect/>
+          </a:stretch>
+        </p:blipFill>
+        <p:spPr>
+          <a:xfrm>
+            <a:off x="4599736" y="1246798"/>
+            <a:ext cx="4232564" cy="3658268"/>
+          </a:xfrm>
+          <a:prstGeom prst="rect">
+            <a:avLst/>
+          </a:prstGeom>
+        </p:spPr>
+      </p:pic>
+    </p:spTree>
+    <p:extLst>
+      <p:ext uri="{BB962C8B-B14F-4D97-AF65-F5344CB8AC3E}">
+        <p14:creationId xmlns:p14="http://schemas.microsoft.com/office/powerpoint/2010/main" val="1650538106"/>
+      </p:ext>
+    </p:extLst>
+  </p:cSld>
+  <p:clrMapOvr>
+    <a:masterClrMapping/>
+  </p:clrMapOvr>
+</p:sld>
+</file>
+
+<file path=ppt/slides/slide8.xml><?xml version="1.0" encoding="utf-8"?>
+<p:sld xmlns:a="http://schemas.openxmlformats.org/drawingml/2006/main" xmlns:r="http://schemas.openxmlformats.org/officeDocument/2006/relationships" xmlns:p="http://schemas.openxmlformats.org/presentationml/2006/main">
+  <p:cSld>
+    <p:spTree>
+      <p:nvGrpSpPr>
+        <p:cNvPr id="1" name="Shape 125"/>
         <p:cNvGrpSpPr/>
         <p:nvPr/>
       </p:nvGrpSpPr>
@@ -6773,7 +7248,7 @@
           </a:ln>
         </p:spPr>
         <p:txBody>
-          <a:bodyPr anchorCtr="0" anchor="t" bIns="91425" lIns="91425" rIns="91425" tIns="91425">
+          <a:bodyPr lIns="91425" tIns="91425" rIns="91425" bIns="91425" anchor="t" anchorCtr="0">
             <a:noAutofit/>
           </a:bodyPr>
           <a:lstStyle/>
@@ -6785,7 +7260,7 @@
               <a:buNone/>
             </a:pPr>
             <a:r>
-              <a:rPr b="1" lang="en" sz="3000">
+              <a:rPr lang="en" sz="3000" b="1">
                 <a:solidFill>
                   <a:srgbClr val="FFFFFF"/>
                 </a:solidFill>
@@ -6828,11 +7303,18 @@
   <p:clrMapOvr>
     <a:masterClrMapping/>
   </p:clrMapOvr>
+  <p:timing>
+    <p:tnLst>
+      <p:par>
+        <p:cTn id="1" dur="indefinite" restart="never" nodeType="tmRoot"/>
+      </p:par>
+    </p:tnLst>
+  </p:timing>
 </p:sld>
 </file>
 
 <file path=ppt/theme/theme1.xml><?xml version="1.0" encoding="utf-8"?>
-<a:theme xmlns:a="http://schemas.openxmlformats.org/drawingml/2006/main" xmlns:r="http://schemas.openxmlformats.org/officeDocument/2006/relationships" name="geometric">
+<a:theme xmlns:a="http://schemas.openxmlformats.org/drawingml/2006/main" name="geometric">
   <a:themeElements>
     <a:clrScheme name="Geometric">
       <a:dk1>
@@ -7107,11 +7589,13 @@
       </a:bgFillStyleLst>
     </a:fmtScheme>
   </a:themeElements>
+  <a:objectDefaults/>
+  <a:extraClrSchemeLst/>
 </a:theme>
 </file>
 
 <file path=ppt/theme/theme2.xml><?xml version="1.0" encoding="utf-8"?>
-<a:theme xmlns:a="http://schemas.openxmlformats.org/drawingml/2006/main" xmlns:r="http://schemas.openxmlformats.org/officeDocument/2006/relationships" name="Custom Theme">
+<a:theme xmlns:a="http://schemas.openxmlformats.org/drawingml/2006/main" name="Custom Theme">
   <a:themeElements>
     <a:clrScheme name="Default">
       <a:dk1>
@@ -7386,5 +7870,7 @@
       </a:bgFillStyleLst>
     </a:fmtScheme>
   </a:themeElements>
+  <a:objectDefaults/>
+  <a:extraClrSchemeLst/>
 </a:theme>
 </file>